--- a/slides/PPT_PowerApps_Developer_Bootcamp_202205.pptx
+++ b/slides/PPT_PowerApps_Developer_Bootcamp_202205.pptx
@@ -26,6 +26,9 @@
     <p:sldId id="273" r:id="rId21"/>
     <p:sldId id="274" r:id="rId22"/>
     <p:sldId id="275" r:id="rId23"/>
+    <p:sldId id="276" r:id="rId24"/>
+    <p:sldId id="277" r:id="rId25"/>
+    <p:sldId id="278" r:id="rId26"/>
   </p:sldIdLst>
   <p:sldSz cx="12192000" cy="6858000"/>
   <p:notesSz cx="7559675" cy="10691812"/>
@@ -2747,19 +2750,7 @@
               <a:rPr b="0" lang="en-GB" sz="4400" spc="-1" strike="noStrike">
                 <a:latin typeface="Arial"/>
               </a:rPr>
-              <a:t>Click to edit </a:t>
-            </a:r>
-            <a:r>
-              <a:rPr b="0" lang="en-GB" sz="4400" spc="-1" strike="noStrike">
-                <a:latin typeface="Arial"/>
-              </a:rPr>
-              <a:t>the title text </a:t>
-            </a:r>
-            <a:r>
-              <a:rPr b="0" lang="en-GB" sz="4400" spc="-1" strike="noStrike">
-                <a:latin typeface="Arial"/>
-              </a:rPr>
-              <a:t>format</a:t>
+              <a:t>Click to edit the title text format</a:t>
             </a:r>
             <a:endParaRPr b="0" lang="en-GB" sz="4400" spc="-1" strike="noStrike">
               <a:latin typeface="Arial"/>
@@ -3017,19 +3008,19 @@
               <a:rPr b="0" lang="en-GB" sz="4400" spc="-1" strike="noStrike">
                 <a:latin typeface="Arial"/>
               </a:rPr>
-              <a:t>Click to edit </a:t>
+              <a:t>Click to </a:t>
             </a:r>
             <a:r>
               <a:rPr b="0" lang="en-GB" sz="4400" spc="-1" strike="noStrike">
                 <a:latin typeface="Arial"/>
               </a:rPr>
-              <a:t>the title text </a:t>
+              <a:t>edit the title </a:t>
             </a:r>
             <a:r>
               <a:rPr b="0" lang="en-GB" sz="4400" spc="-1" strike="noStrike">
                 <a:latin typeface="Arial"/>
               </a:rPr>
-              <a:t>format</a:t>
+              <a:t>text format</a:t>
             </a:r>
             <a:endParaRPr b="0" lang="en-GB" sz="4400" spc="-1" strike="noStrike">
               <a:latin typeface="Arial"/>
@@ -6310,7 +6301,7 @@
         <p:spPr>
           <a:xfrm>
             <a:off x="838080" y="1681560"/>
-            <a:ext cx="3984840" cy="3789360"/>
+            <a:ext cx="3984840" cy="694440"/>
           </a:xfrm>
           <a:prstGeom prst="rect">
             <a:avLst/>
@@ -6352,7 +6343,7 @@
                 <a:latin typeface="Calibri"/>
                 <a:ea typeface="DejaVu Sans"/>
               </a:rPr>
-              <a:t>Pipeline Simulation example</a:t>
+              <a:t>PreValidation</a:t>
             </a:r>
             <a:endParaRPr b="0" lang="en-GB" sz="2800" spc="-1" strike="noStrike">
               <a:latin typeface="Arial"/>
@@ -6565,94 +6556,490 @@
                 <a:latin typeface="Calibri"/>
                 <a:ea typeface="DejaVu Sans"/>
               </a:rPr>
-              <a:t>https://</a:t>
-            </a:r>
-            <a:r>
-              <a:rPr b="0" lang="en-GB" sz="2000" spc="-1" strike="noStrike">
+              <a:t>https://dynamicsvalue.com</a:t>
+            </a:r>
+            <a:endParaRPr b="0" lang="en-GB" sz="2000" spc="-1" strike="noStrike">
+              <a:latin typeface="Arial"/>
+            </a:endParaRPr>
+          </a:p>
+          <a:p>
+            <a:pPr>
+              <a:lnSpc>
+                <a:spcPct val="90000"/>
+              </a:lnSpc>
+              <a:spcBef>
+                <a:spcPts val="1001"/>
+              </a:spcBef>
+            </a:pPr>
+            <a:endParaRPr b="0" lang="en-GB" sz="2000" spc="-1" strike="noStrike">
+              <a:latin typeface="Arial"/>
+            </a:endParaRPr>
+          </a:p>
+          <a:p>
+            <a:pPr>
+              <a:lnSpc>
+                <a:spcPct val="90000"/>
+              </a:lnSpc>
+              <a:spcBef>
+                <a:spcPts val="1001"/>
+              </a:spcBef>
+            </a:pPr>
+            <a:endParaRPr b="0" lang="en-GB" sz="2000" spc="-1" strike="noStrike">
+              <a:latin typeface="Arial"/>
+            </a:endParaRPr>
+          </a:p>
+          <a:p>
+            <a:pPr>
+              <a:lnSpc>
+                <a:spcPct val="90000"/>
+              </a:lnSpc>
+              <a:spcBef>
+                <a:spcPts val="1001"/>
+              </a:spcBef>
+            </a:pPr>
+            <a:endParaRPr b="0" lang="en-GB" sz="2000" spc="-1" strike="noStrike">
+              <a:latin typeface="Arial"/>
+            </a:endParaRPr>
+          </a:p>
+          <a:p>
+            <a:pPr>
+              <a:lnSpc>
+                <a:spcPct val="90000"/>
+              </a:lnSpc>
+              <a:spcBef>
+                <a:spcPts val="1001"/>
+              </a:spcBef>
+            </a:pPr>
+            <a:endParaRPr b="0" lang="en-GB" sz="2000" spc="-1" strike="noStrike">
+              <a:latin typeface="Arial"/>
+            </a:endParaRPr>
+          </a:p>
+          <a:p>
+            <a:pPr>
+              <a:lnSpc>
+                <a:spcPct val="90000"/>
+              </a:lnSpc>
+              <a:spcBef>
+                <a:spcPts val="1001"/>
+              </a:spcBef>
+            </a:pPr>
+            <a:endParaRPr b="0" lang="en-GB" sz="2000" spc="-1" strike="noStrike">
+              <a:latin typeface="Arial"/>
+            </a:endParaRPr>
+          </a:p>
+        </p:txBody>
+      </p:sp>
+      <p:sp>
+        <p:nvSpPr>
+          <p:cNvPr id="155" name="TextShape 5"/>
+          <p:cNvSpPr txBox="1"/>
+          <p:nvPr/>
+        </p:nvSpPr>
+        <p:spPr>
+          <a:xfrm>
+            <a:off x="653400" y="2448000"/>
+            <a:ext cx="11226600" cy="602640"/>
+          </a:xfrm>
+          <a:prstGeom prst="rect">
+            <a:avLst/>
+          </a:prstGeom>
+          <a:noFill/>
+          <a:ln>
+            <a:noFill/>
+          </a:ln>
+        </p:spPr>
+        <p:txBody>
+          <a:bodyPr lIns="90000" rIns="90000" tIns="45000" bIns="45000"/>
+          <a:p>
+            <a:r>
+              <a:rPr b="0" lang="en-GB" sz="1800" spc="-1" strike="noStrike">
+                <a:latin typeface="Arial"/>
+              </a:rPr>
+              <a:t>_context.RegisterPl</a:t>
+            </a:r>
+            <a:r>
+              <a:rPr b="0" lang="en-GB" sz="1800" spc="-1" strike="noStrike">
+                <a:latin typeface="Arial"/>
+              </a:rPr>
+              <a:t>uginStep&lt;ValidatePi</a:t>
+            </a:r>
+            <a:r>
+              <a:rPr b="0" lang="en-GB" sz="1800" spc="-1" strike="noStrike">
+                <a:latin typeface="Arial"/>
+              </a:rPr>
+              <a:t>pelinePlugin, </a:t>
+            </a:r>
+            <a:r>
+              <a:rPr b="0" lang="en-GB" sz="1800" spc="-1" strike="noStrike">
+                <a:latin typeface="Arial"/>
+              </a:rPr>
+              <a:t>Contact&gt;("Update", </a:t>
+            </a:r>
+            <a:r>
+              <a:rPr b="0" lang="en-GB" sz="1800" spc="-1" strike="noStrike">
+                <a:latin typeface="Arial"/>
+              </a:rPr>
+              <a:t>ProcessingStepSta</a:t>
+            </a:r>
+            <a:r>
+              <a:rPr b="0" lang="en-GB" sz="1800" spc="-1" strike="noStrike">
+                <a:latin typeface="Arial"/>
+              </a:rPr>
+              <a:t>ge.Prevalidation, </a:t>
+            </a:r>
+            <a:r>
+              <a:rPr b="0" lang="en-GB" sz="1800" spc="-1" strike="noStrike">
+                <a:latin typeface="Arial"/>
+              </a:rPr>
+              <a:t>ProcessingStepMo</a:t>
+            </a:r>
+            <a:r>
+              <a:rPr b="0" lang="en-GB" sz="1800" spc="-1" strike="noStrike">
+                <a:latin typeface="Arial"/>
+              </a:rPr>
+              <a:t>de.Synchronous);</a:t>
+            </a:r>
+            <a:endParaRPr b="0" lang="en-GB" sz="1800" spc="-1" strike="noStrike">
+              <a:latin typeface="Arial"/>
+            </a:endParaRPr>
+          </a:p>
+        </p:txBody>
+      </p:sp>
+      <p:sp>
+        <p:nvSpPr>
+          <p:cNvPr id="156" name="CustomShape 6"/>
+          <p:cNvSpPr/>
+          <p:nvPr/>
+        </p:nvSpPr>
+        <p:spPr>
+          <a:xfrm>
+            <a:off x="1512000" y="5370840"/>
+            <a:ext cx="9576000" cy="461160"/>
+          </a:xfrm>
+          <a:prstGeom prst="rect">
+            <a:avLst/>
+          </a:prstGeom>
+          <a:noFill/>
+          <a:ln>
+            <a:noFill/>
+          </a:ln>
+        </p:spPr>
+        <p:style>
+          <a:lnRef idx="0"/>
+          <a:fillRef idx="0"/>
+          <a:effectRef idx="0"/>
+          <a:fontRef idx="minor"/>
+        </p:style>
+        <p:txBody>
+          <a:bodyPr lIns="90000" rIns="90000" tIns="45000" bIns="45000"/>
+          <a:p>
+            <a:pPr>
+              <a:lnSpc>
+                <a:spcPct val="90000"/>
+              </a:lnSpc>
+              <a:spcBef>
+                <a:spcPts val="1001"/>
+              </a:spcBef>
+            </a:pPr>
+            <a:r>
+              <a:rPr b="0" lang="en-GB" sz="1800" spc="-1" strike="noStrike">
                 <a:solidFill>
                   <a:srgbClr val="d9d9d9"/>
                 </a:solidFill>
                 <a:latin typeface="Calibri"/>
                 <a:ea typeface="DejaVu Sans"/>
               </a:rPr>
-              <a:t>dynamicsvalue.</a:t>
-            </a:r>
-            <a:r>
-              <a:rPr b="0" lang="en-GB" sz="2000" spc="-1" strike="noStrike">
+              <a:t>https://dynamicsvalue.github.io/fake-xrm-easy-docs/releases/2x/2.1.0/</a:t>
+            </a:r>
+            <a:endParaRPr b="0" lang="en-GB" sz="1800" spc="-1" strike="noStrike">
+              <a:latin typeface="Arial"/>
+            </a:endParaRPr>
+          </a:p>
+          <a:p>
+            <a:pPr>
+              <a:lnSpc>
+                <a:spcPct val="90000"/>
+              </a:lnSpc>
+              <a:spcBef>
+                <a:spcPts val="1001"/>
+              </a:spcBef>
+            </a:pPr>
+            <a:endParaRPr b="0" lang="en-GB" sz="1800" spc="-1" strike="noStrike">
+              <a:latin typeface="Arial"/>
+            </a:endParaRPr>
+          </a:p>
+          <a:p>
+            <a:pPr>
+              <a:lnSpc>
+                <a:spcPct val="90000"/>
+              </a:lnSpc>
+              <a:spcBef>
+                <a:spcPts val="1001"/>
+              </a:spcBef>
+            </a:pPr>
+            <a:endParaRPr b="0" lang="en-GB" sz="1800" spc="-1" strike="noStrike">
+              <a:latin typeface="Arial"/>
+            </a:endParaRPr>
+          </a:p>
+          <a:p>
+            <a:pPr>
+              <a:lnSpc>
+                <a:spcPct val="90000"/>
+              </a:lnSpc>
+              <a:spcBef>
+                <a:spcPts val="1001"/>
+              </a:spcBef>
+            </a:pPr>
+            <a:endParaRPr b="0" lang="en-GB" sz="1800" spc="-1" strike="noStrike">
+              <a:latin typeface="Arial"/>
+            </a:endParaRPr>
+          </a:p>
+          <a:p>
+            <a:pPr>
+              <a:lnSpc>
+                <a:spcPct val="90000"/>
+              </a:lnSpc>
+              <a:spcBef>
+                <a:spcPts val="1001"/>
+              </a:spcBef>
+            </a:pPr>
+            <a:endParaRPr b="0" lang="en-GB" sz="1800" spc="-1" strike="noStrike">
+              <a:latin typeface="Arial"/>
+            </a:endParaRPr>
+          </a:p>
+          <a:p>
+            <a:pPr>
+              <a:lnSpc>
+                <a:spcPct val="90000"/>
+              </a:lnSpc>
+              <a:spcBef>
+                <a:spcPts val="1001"/>
+              </a:spcBef>
+            </a:pPr>
+            <a:endParaRPr b="0" lang="en-GB" sz="1800" spc="-1" strike="noStrike">
+              <a:latin typeface="Arial"/>
+            </a:endParaRPr>
+          </a:p>
+        </p:txBody>
+      </p:sp>
+      <p:sp>
+        <p:nvSpPr>
+          <p:cNvPr id="157" name="CustomShape 7"/>
+          <p:cNvSpPr/>
+          <p:nvPr/>
+        </p:nvSpPr>
+        <p:spPr>
+          <a:xfrm>
+            <a:off x="767160" y="3265560"/>
+            <a:ext cx="3984840" cy="694440"/>
+          </a:xfrm>
+          <a:prstGeom prst="rect">
+            <a:avLst/>
+          </a:prstGeom>
+          <a:noFill/>
+          <a:ln>
+            <a:noFill/>
+          </a:ln>
+        </p:spPr>
+        <p:style>
+          <a:lnRef idx="0"/>
+          <a:fillRef idx="0"/>
+          <a:effectRef idx="0"/>
+          <a:fontRef idx="minor"/>
+        </p:style>
+        <p:txBody>
+          <a:bodyPr lIns="90000" rIns="90000" tIns="45000" bIns="45000">
+            <a:normAutofit/>
+          </a:bodyPr>
+          <a:p>
+            <a:pPr marL="228600" indent="-226440">
+              <a:lnSpc>
+                <a:spcPct val="90000"/>
+              </a:lnSpc>
+              <a:spcBef>
+                <a:spcPts val="1001"/>
+              </a:spcBef>
+              <a:buClr>
+                <a:srgbClr val="d9d9d9"/>
+              </a:buClr>
+              <a:buFont typeface="Arial"/>
+              <a:buChar char="•"/>
+            </a:pPr>
+            <a:r>
+              <a:rPr b="0" lang="en-GB" sz="2800" spc="-1" strike="noStrike">
                 <a:solidFill>
                   <a:srgbClr val="d9d9d9"/>
                 </a:solidFill>
                 <a:latin typeface="Calibri"/>
                 <a:ea typeface="DejaVu Sans"/>
               </a:rPr>
-              <a:t>com</a:t>
-            </a:r>
-            <a:endParaRPr b="0" lang="en-GB" sz="2000" spc="-1" strike="noStrike">
-              <a:latin typeface="Arial"/>
-            </a:endParaRPr>
-          </a:p>
-          <a:p>
-            <a:pPr>
-              <a:lnSpc>
-                <a:spcPct val="90000"/>
-              </a:lnSpc>
-              <a:spcBef>
-                <a:spcPts val="1001"/>
-              </a:spcBef>
-            </a:pPr>
-            <a:endParaRPr b="0" lang="en-GB" sz="2000" spc="-1" strike="noStrike">
-              <a:latin typeface="Arial"/>
-            </a:endParaRPr>
-          </a:p>
-          <a:p>
-            <a:pPr>
-              <a:lnSpc>
-                <a:spcPct val="90000"/>
-              </a:lnSpc>
-              <a:spcBef>
-                <a:spcPts val="1001"/>
-              </a:spcBef>
-            </a:pPr>
-            <a:endParaRPr b="0" lang="en-GB" sz="2000" spc="-1" strike="noStrike">
-              <a:latin typeface="Arial"/>
-            </a:endParaRPr>
-          </a:p>
-          <a:p>
-            <a:pPr>
-              <a:lnSpc>
-                <a:spcPct val="90000"/>
-              </a:lnSpc>
-              <a:spcBef>
-                <a:spcPts val="1001"/>
-              </a:spcBef>
-            </a:pPr>
-            <a:endParaRPr b="0" lang="en-GB" sz="2000" spc="-1" strike="noStrike">
-              <a:latin typeface="Arial"/>
-            </a:endParaRPr>
-          </a:p>
-          <a:p>
-            <a:pPr>
-              <a:lnSpc>
-                <a:spcPct val="90000"/>
-              </a:lnSpc>
-              <a:spcBef>
-                <a:spcPts val="1001"/>
-              </a:spcBef>
-            </a:pPr>
-            <a:endParaRPr b="0" lang="en-GB" sz="2000" spc="-1" strike="noStrike">
-              <a:latin typeface="Arial"/>
-            </a:endParaRPr>
-          </a:p>
-          <a:p>
-            <a:pPr>
-              <a:lnSpc>
-                <a:spcPct val="90000"/>
-              </a:lnSpc>
-              <a:spcBef>
-                <a:spcPts val="1001"/>
-              </a:spcBef>
-            </a:pPr>
-            <a:endParaRPr b="0" lang="en-GB" sz="2000" spc="-1" strike="noStrike">
+              <a:t>Filtering attributes</a:t>
+            </a:r>
+            <a:endParaRPr b="0" lang="en-GB" sz="2800" spc="-1" strike="noStrike">
+              <a:latin typeface="Arial"/>
+            </a:endParaRPr>
+          </a:p>
+          <a:p>
+            <a:pPr>
+              <a:lnSpc>
+                <a:spcPct val="90000"/>
+              </a:lnSpc>
+              <a:spcBef>
+                <a:spcPts val="1001"/>
+              </a:spcBef>
+            </a:pPr>
+            <a:endParaRPr b="0" lang="en-GB" sz="2800" spc="-1" strike="noStrike">
+              <a:latin typeface="Arial"/>
+            </a:endParaRPr>
+          </a:p>
+          <a:p>
+            <a:pPr>
+              <a:lnSpc>
+                <a:spcPct val="90000"/>
+              </a:lnSpc>
+              <a:spcBef>
+                <a:spcPts val="1001"/>
+              </a:spcBef>
+            </a:pPr>
+            <a:endParaRPr b="0" lang="en-GB" sz="2800" spc="-1" strike="noStrike">
+              <a:latin typeface="Arial"/>
+            </a:endParaRPr>
+          </a:p>
+          <a:p>
+            <a:pPr>
+              <a:lnSpc>
+                <a:spcPct val="90000"/>
+              </a:lnSpc>
+              <a:spcBef>
+                <a:spcPts val="1001"/>
+              </a:spcBef>
+            </a:pPr>
+            <a:endParaRPr b="0" lang="en-GB" sz="2800" spc="-1" strike="noStrike">
+              <a:latin typeface="Arial"/>
+            </a:endParaRPr>
+          </a:p>
+          <a:p>
+            <a:pPr>
+              <a:lnSpc>
+                <a:spcPct val="90000"/>
+              </a:lnSpc>
+              <a:spcBef>
+                <a:spcPts val="1001"/>
+              </a:spcBef>
+            </a:pPr>
+            <a:endParaRPr b="0" lang="en-GB" sz="2800" spc="-1" strike="noStrike">
+              <a:latin typeface="Arial"/>
+            </a:endParaRPr>
+          </a:p>
+          <a:p>
+            <a:pPr>
+              <a:lnSpc>
+                <a:spcPct val="90000"/>
+              </a:lnSpc>
+              <a:spcBef>
+                <a:spcPts val="1001"/>
+              </a:spcBef>
+            </a:pPr>
+            <a:endParaRPr b="0" lang="en-GB" sz="2800" spc="-1" strike="noStrike">
+              <a:latin typeface="Arial"/>
+            </a:endParaRPr>
+          </a:p>
+          <a:p>
+            <a:pPr>
+              <a:lnSpc>
+                <a:spcPct val="90000"/>
+              </a:lnSpc>
+              <a:spcBef>
+                <a:spcPts val="1001"/>
+              </a:spcBef>
+            </a:pPr>
+            <a:endParaRPr b="0" lang="en-GB" sz="2800" spc="-1" strike="noStrike">
+              <a:latin typeface="Arial"/>
+            </a:endParaRPr>
+          </a:p>
+          <a:p>
+            <a:pPr>
+              <a:lnSpc>
+                <a:spcPct val="90000"/>
+              </a:lnSpc>
+              <a:spcBef>
+                <a:spcPts val="499"/>
+              </a:spcBef>
+            </a:pPr>
+            <a:endParaRPr b="0" lang="en-GB" sz="2800" spc="-1" strike="noStrike">
+              <a:latin typeface="Arial"/>
+            </a:endParaRPr>
+          </a:p>
+          <a:p>
+            <a:pPr>
+              <a:lnSpc>
+                <a:spcPct val="90000"/>
+              </a:lnSpc>
+              <a:spcBef>
+                <a:spcPts val="1001"/>
+              </a:spcBef>
+            </a:pPr>
+            <a:endParaRPr b="0" lang="en-GB" sz="2800" spc="-1" strike="noStrike">
+              <a:latin typeface="Arial"/>
+            </a:endParaRPr>
+          </a:p>
+          <a:p>
+            <a:pPr>
+              <a:lnSpc>
+                <a:spcPct val="90000"/>
+              </a:lnSpc>
+              <a:spcBef>
+                <a:spcPts val="1001"/>
+              </a:spcBef>
+            </a:pPr>
+            <a:endParaRPr b="0" lang="en-GB" sz="2800" spc="-1" strike="noStrike">
+              <a:latin typeface="Arial"/>
+            </a:endParaRPr>
+          </a:p>
+          <a:p>
+            <a:pPr>
+              <a:lnSpc>
+                <a:spcPct val="90000"/>
+              </a:lnSpc>
+              <a:spcBef>
+                <a:spcPts val="1001"/>
+              </a:spcBef>
+            </a:pPr>
+            <a:endParaRPr b="0" lang="en-GB" sz="2800" spc="-1" strike="noStrike">
+              <a:latin typeface="Arial"/>
+            </a:endParaRPr>
+          </a:p>
+        </p:txBody>
+      </p:sp>
+      <p:sp>
+        <p:nvSpPr>
+          <p:cNvPr id="158" name="TextShape 8"/>
+          <p:cNvSpPr txBox="1"/>
+          <p:nvPr/>
+        </p:nvSpPr>
+        <p:spPr>
+          <a:xfrm>
+            <a:off x="648000" y="3960000"/>
+            <a:ext cx="11226600" cy="858240"/>
+          </a:xfrm>
+          <a:prstGeom prst="rect">
+            <a:avLst/>
+          </a:prstGeom>
+          <a:noFill/>
+          <a:ln>
+            <a:noFill/>
+          </a:ln>
+        </p:spPr>
+        <p:txBody>
+          <a:bodyPr lIns="90000" rIns="90000" tIns="45000" bIns="45000"/>
+          <a:p>
+            <a:r>
+              <a:rPr b="0" lang="en-GB" sz="1800" spc="-1" strike="noStrike">
+                <a:latin typeface="Arial"/>
+              </a:rPr>
+              <a:t>_context.RegisterPluginStep&lt;ValidatePipelinePlugin, Account&gt;("Update", ProcessingStepStage.Preoperation, ProcessingStepMode.Synchronous, filteringAttributes: new string[] { "name" });</a:t>
+            </a:r>
+            <a:endParaRPr b="0" lang="en-GB" sz="1800" spc="-1" strike="noStrike">
               <a:latin typeface="Arial"/>
             </a:endParaRPr>
           </a:p>
@@ -6709,7 +7096,7 @@
       </p:grpSpPr>
       <p:pic>
         <p:nvPicPr>
-          <p:cNvPr id="155" name="Picture 3" descr=""/>
+          <p:cNvPr id="159" name="Picture 3" descr=""/>
           <p:cNvPicPr/>
           <p:nvPr/>
         </p:nvPicPr>
@@ -6732,7 +7119,7 @@
       </p:pic>
       <p:sp>
         <p:nvSpPr>
-          <p:cNvPr id="156" name="CustomShape 1"/>
+          <p:cNvPr id="160" name="CustomShape 1"/>
           <p:cNvSpPr/>
           <p:nvPr/>
         </p:nvSpPr>
@@ -6771,7 +7158,7 @@
                 <a:latin typeface="Calibri Light"/>
                 <a:ea typeface="DejaVu Sans"/>
               </a:rPr>
-              <a:t>DEMO: Scenario</a:t>
+              <a:t>Pipeline enhancements</a:t>
             </a:r>
             <a:endParaRPr b="0" lang="en-GB" sz="4400" spc="-1" strike="noStrike">
               <a:latin typeface="Arial"/>
@@ -6781,50 +7168,20 @@
       </p:sp>
       <p:sp>
         <p:nvSpPr>
-          <p:cNvPr id="157" name="CustomShape 2"/>
+          <p:cNvPr id="161" name="CustomShape 2"/>
           <p:cNvSpPr/>
           <p:nvPr/>
         </p:nvSpPr>
         <p:spPr>
           <a:xfrm>
-            <a:off x="7720560" y="6153840"/>
-            <a:ext cx="4288680" cy="513360"/>
+            <a:off x="838080" y="1681560"/>
+            <a:ext cx="3984840" cy="694440"/>
           </a:xfrm>
           <a:prstGeom prst="rect">
             <a:avLst/>
           </a:prstGeom>
           <a:noFill/>
           <a:ln>
-            <a:noFill/>
-          </a:ln>
-        </p:spPr>
-        <p:style>
-          <a:lnRef idx="0"/>
-          <a:fillRef idx="0"/>
-          <a:effectRef idx="0"/>
-          <a:fontRef idx="minor"/>
-        </p:style>
-      </p:sp>
-      <p:sp>
-        <p:nvSpPr>
-          <p:cNvPr id="158" name="CustomShape 3"/>
-          <p:cNvSpPr/>
-          <p:nvPr/>
-        </p:nvSpPr>
-        <p:spPr>
-          <a:xfrm>
-            <a:off x="2945880" y="2592000"/>
-            <a:ext cx="3246120" cy="792000"/>
-          </a:xfrm>
-          <a:prstGeom prst="chevron">
-            <a:avLst>
-              <a:gd name="adj" fmla="val 50000"/>
-            </a:avLst>
-          </a:prstGeom>
-          <a:solidFill>
-            <a:srgbClr val="44a68a"/>
-          </a:solidFill>
-          <a:ln w="25560">
             <a:noFill/>
           </a:ln>
         </p:spPr>
@@ -6835,24 +7192,164 @@
           <a:fontRef idx="minor"/>
         </p:style>
         <p:txBody>
-          <a:bodyPr lIns="90000" rIns="90000" tIns="45000" bIns="45000" anchor="ctr"/>
-          <a:p>
-            <a:pPr algn="ctr">
-              <a:lnSpc>
-                <a:spcPct val="100000"/>
-              </a:lnSpc>
-            </a:pPr>
-            <a:r>
-              <a:rPr b="0" lang="en-GB" sz="1800" spc="-1" strike="noStrike">
+          <a:bodyPr lIns="90000" rIns="90000" tIns="45000" bIns="45000">
+            <a:normAutofit/>
+          </a:bodyPr>
+          <a:p>
+            <a:pPr marL="228600" indent="-226440">
+              <a:lnSpc>
+                <a:spcPct val="90000"/>
+              </a:lnSpc>
+              <a:spcBef>
+                <a:spcPts val="1001"/>
+              </a:spcBef>
+              <a:buClr>
+                <a:srgbClr val="d9d9d9"/>
+              </a:buClr>
+              <a:buFont typeface="Arial"/>
+              <a:buChar char="•"/>
+            </a:pPr>
+            <a:r>
+              <a:rPr b="0" lang="en-GB" sz="2800" spc="-1" strike="noStrike">
                 <a:solidFill>
-                  <a:srgbClr val="ffffff"/>
+                  <a:srgbClr val="d9d9d9"/>
                 </a:solidFill>
                 <a:latin typeface="Calibri"/>
                 <a:ea typeface="DejaVu Sans"/>
               </a:rPr>
-              <a:t>Az Function to Create Contact</a:t>
-            </a:r>
-            <a:endParaRPr b="0" lang="en-GB" sz="1800" spc="-1" strike="noStrike">
+              <a:t>Plugin Step Images</a:t>
+            </a:r>
+            <a:endParaRPr b="0" lang="en-GB" sz="2800" spc="-1" strike="noStrike">
+              <a:latin typeface="Arial"/>
+            </a:endParaRPr>
+          </a:p>
+          <a:p>
+            <a:pPr>
+              <a:lnSpc>
+                <a:spcPct val="90000"/>
+              </a:lnSpc>
+              <a:spcBef>
+                <a:spcPts val="1001"/>
+              </a:spcBef>
+            </a:pPr>
+            <a:endParaRPr b="0" lang="en-GB" sz="2800" spc="-1" strike="noStrike">
+              <a:latin typeface="Arial"/>
+            </a:endParaRPr>
+          </a:p>
+          <a:p>
+            <a:pPr>
+              <a:lnSpc>
+                <a:spcPct val="90000"/>
+              </a:lnSpc>
+              <a:spcBef>
+                <a:spcPts val="1001"/>
+              </a:spcBef>
+            </a:pPr>
+            <a:endParaRPr b="0" lang="en-GB" sz="2800" spc="-1" strike="noStrike">
+              <a:latin typeface="Arial"/>
+            </a:endParaRPr>
+          </a:p>
+          <a:p>
+            <a:pPr>
+              <a:lnSpc>
+                <a:spcPct val="90000"/>
+              </a:lnSpc>
+              <a:spcBef>
+                <a:spcPts val="1001"/>
+              </a:spcBef>
+            </a:pPr>
+            <a:endParaRPr b="0" lang="en-GB" sz="2800" spc="-1" strike="noStrike">
+              <a:latin typeface="Arial"/>
+            </a:endParaRPr>
+          </a:p>
+          <a:p>
+            <a:pPr>
+              <a:lnSpc>
+                <a:spcPct val="90000"/>
+              </a:lnSpc>
+              <a:spcBef>
+                <a:spcPts val="1001"/>
+              </a:spcBef>
+            </a:pPr>
+            <a:endParaRPr b="0" lang="en-GB" sz="2800" spc="-1" strike="noStrike">
+              <a:latin typeface="Arial"/>
+            </a:endParaRPr>
+          </a:p>
+          <a:p>
+            <a:pPr>
+              <a:lnSpc>
+                <a:spcPct val="90000"/>
+              </a:lnSpc>
+              <a:spcBef>
+                <a:spcPts val="1001"/>
+              </a:spcBef>
+            </a:pPr>
+            <a:endParaRPr b="0" lang="en-GB" sz="2800" spc="-1" strike="noStrike">
+              <a:latin typeface="Arial"/>
+            </a:endParaRPr>
+          </a:p>
+          <a:p>
+            <a:pPr>
+              <a:lnSpc>
+                <a:spcPct val="90000"/>
+              </a:lnSpc>
+              <a:spcBef>
+                <a:spcPts val="1001"/>
+              </a:spcBef>
+            </a:pPr>
+            <a:endParaRPr b="0" lang="en-GB" sz="2800" spc="-1" strike="noStrike">
+              <a:latin typeface="Arial"/>
+            </a:endParaRPr>
+          </a:p>
+          <a:p>
+            <a:pPr>
+              <a:lnSpc>
+                <a:spcPct val="90000"/>
+              </a:lnSpc>
+              <a:spcBef>
+                <a:spcPts val="499"/>
+              </a:spcBef>
+            </a:pPr>
+            <a:endParaRPr b="0" lang="en-GB" sz="2800" spc="-1" strike="noStrike">
+              <a:latin typeface="Arial"/>
+            </a:endParaRPr>
+          </a:p>
+          <a:p>
+            <a:pPr>
+              <a:lnSpc>
+                <a:spcPct val="90000"/>
+              </a:lnSpc>
+              <a:spcBef>
+                <a:spcPts val="1001"/>
+              </a:spcBef>
+            </a:pPr>
+            <a:endParaRPr b="0" lang="en-GB" sz="2800" spc="-1" strike="noStrike">
+              <a:latin typeface="Arial"/>
+            </a:endParaRPr>
+          </a:p>
+          <a:p>
+            <a:pPr>
+              <a:lnSpc>
+                <a:spcPct val="90000"/>
+              </a:lnSpc>
+              <a:spcBef>
+                <a:spcPts val="1001"/>
+              </a:spcBef>
+            </a:pPr>
+            <a:endParaRPr b="0" lang="en-GB" sz="2800" spc="-1" strike="noStrike">
+              <a:latin typeface="Arial"/>
+            </a:endParaRPr>
+          </a:p>
+          <a:p>
+            <a:pPr>
+              <a:lnSpc>
+                <a:spcPct val="90000"/>
+              </a:lnSpc>
+              <a:spcBef>
+                <a:spcPts val="1001"/>
+              </a:spcBef>
+            </a:pPr>
+            <a:endParaRPr b="0" lang="en-GB" sz="2800" spc="-1" strike="noStrike">
               <a:latin typeface="Arial"/>
             </a:endParaRPr>
           </a:p>
@@ -6860,24 +7357,20 @@
       </p:sp>
       <p:sp>
         <p:nvSpPr>
-          <p:cNvPr id="159" name="CustomShape 4"/>
+          <p:cNvPr id="162" name="CustomShape 3"/>
           <p:cNvSpPr/>
           <p:nvPr/>
         </p:nvSpPr>
         <p:spPr>
           <a:xfrm>
-            <a:off x="6120000" y="2592000"/>
-            <a:ext cx="2376000" cy="792000"/>
-          </a:xfrm>
-          <a:prstGeom prst="chevron">
-            <a:avLst>
-              <a:gd name="adj" fmla="val 50000"/>
-            </a:avLst>
-          </a:prstGeom>
-          <a:solidFill>
-            <a:srgbClr val="44a68a"/>
-          </a:solidFill>
-          <a:ln w="25560">
+            <a:off x="7720560" y="6153840"/>
+            <a:ext cx="4288680" cy="513360"/>
+          </a:xfrm>
+          <a:prstGeom prst="rect">
+            <a:avLst/>
+          </a:prstGeom>
+          <a:noFill/>
+          <a:ln>
             <a:noFill/>
           </a:ln>
         </p:spPr>
@@ -6887,192 +7380,10 @@
           <a:effectRef idx="0"/>
           <a:fontRef idx="minor"/>
         </p:style>
-        <p:txBody>
-          <a:bodyPr lIns="90000" rIns="90000" tIns="45000" bIns="45000" anchor="ctr"/>
-          <a:p>
-            <a:pPr algn="ctr">
-              <a:lnSpc>
-                <a:spcPct val="100000"/>
-              </a:lnSpc>
-            </a:pPr>
-            <a:r>
-              <a:rPr b="0" lang="en-GB" sz="1800" spc="-1" strike="noStrike">
-                <a:solidFill>
-                  <a:srgbClr val="ffffff"/>
-                </a:solidFill>
-                <a:latin typeface="Calibri"/>
-                <a:ea typeface="DejaVu Sans"/>
-              </a:rPr>
-              <a:t>Dataverse (create)</a:t>
-            </a:r>
-            <a:endParaRPr b="0" lang="en-GB" sz="1800" spc="-1" strike="noStrike">
-              <a:latin typeface="Arial"/>
-            </a:endParaRPr>
-          </a:p>
-        </p:txBody>
-      </p:sp>
-      <p:sp>
-        <p:nvSpPr>
-          <p:cNvPr id="160" name="CustomShape 5"/>
-          <p:cNvSpPr/>
-          <p:nvPr/>
-        </p:nvSpPr>
-        <p:spPr>
-          <a:xfrm>
-            <a:off x="8424000" y="2592000"/>
-            <a:ext cx="2736000" cy="792000"/>
-          </a:xfrm>
-          <a:prstGeom prst="chevron">
-            <a:avLst>
-              <a:gd name="adj" fmla="val 50000"/>
-            </a:avLst>
-          </a:prstGeom>
-          <a:solidFill>
-            <a:srgbClr val="44a68a"/>
-          </a:solidFill>
-          <a:ln w="25560">
-            <a:noFill/>
-          </a:ln>
-        </p:spPr>
-        <p:style>
-          <a:lnRef idx="0"/>
-          <a:fillRef idx="0"/>
-          <a:effectRef idx="0"/>
-          <a:fontRef idx="minor"/>
-        </p:style>
-        <p:txBody>
-          <a:bodyPr lIns="90000" rIns="90000" tIns="45000" bIns="45000" anchor="ctr"/>
-          <a:p>
-            <a:pPr algn="ctr">
-              <a:lnSpc>
-                <a:spcPct val="100000"/>
-              </a:lnSpc>
-            </a:pPr>
-            <a:r>
-              <a:rPr b="0" lang="en-GB" sz="1800" spc="-1" strike="noStrike">
-                <a:solidFill>
-                  <a:srgbClr val="ffffff"/>
-                </a:solidFill>
-                <a:latin typeface="Calibri"/>
-                <a:ea typeface="DejaVu Sans"/>
-              </a:rPr>
-              <a:t>FollowUp Plugin (task)</a:t>
-            </a:r>
-            <a:endParaRPr b="0" lang="en-GB" sz="1800" spc="-1" strike="noStrike">
-              <a:latin typeface="Arial"/>
-            </a:endParaRPr>
-          </a:p>
-        </p:txBody>
-      </p:sp>
-      <p:sp>
-        <p:nvSpPr>
-          <p:cNvPr id="161" name="CustomShape 6"/>
-          <p:cNvSpPr/>
-          <p:nvPr/>
-        </p:nvSpPr>
-        <p:spPr>
-          <a:xfrm>
-            <a:off x="864000" y="2088000"/>
-            <a:ext cx="1944000" cy="792000"/>
-          </a:xfrm>
-          <a:prstGeom prst="chevron">
-            <a:avLst>
-              <a:gd name="adj" fmla="val 50000"/>
-            </a:avLst>
-          </a:prstGeom>
-          <a:solidFill>
-            <a:srgbClr val="44a68a"/>
-          </a:solidFill>
-          <a:ln w="25560">
-            <a:noFill/>
-          </a:ln>
-        </p:spPr>
-        <p:style>
-          <a:lnRef idx="0"/>
-          <a:fillRef idx="0"/>
-          <a:effectRef idx="0"/>
-          <a:fontRef idx="minor"/>
-        </p:style>
-        <p:txBody>
-          <a:bodyPr lIns="90000" rIns="90000" tIns="45000" bIns="45000" anchor="ctr"/>
-          <a:p>
-            <a:pPr algn="ctr">
-              <a:lnSpc>
-                <a:spcPct val="100000"/>
-              </a:lnSpc>
-            </a:pPr>
-            <a:r>
-              <a:rPr b="0" lang="en-GB" sz="1800" spc="-1" strike="noStrike">
-                <a:solidFill>
-                  <a:srgbClr val="ffffff"/>
-                </a:solidFill>
-                <a:latin typeface="Calibri"/>
-                <a:ea typeface="DejaVu Sans"/>
-              </a:rPr>
-              <a:t>Service bus</a:t>
-            </a:r>
-            <a:endParaRPr b="0" lang="en-GB" sz="1800" spc="-1" strike="noStrike">
-              <a:latin typeface="Arial"/>
-            </a:endParaRPr>
-          </a:p>
-        </p:txBody>
-      </p:sp>
-      <p:sp>
-        <p:nvSpPr>
-          <p:cNvPr id="162" name="CustomShape 7"/>
-          <p:cNvSpPr/>
-          <p:nvPr/>
-        </p:nvSpPr>
-        <p:spPr>
-          <a:xfrm>
-            <a:off x="864000" y="3168000"/>
-            <a:ext cx="1944000" cy="792000"/>
-          </a:xfrm>
-          <a:prstGeom prst="chevron">
-            <a:avLst>
-              <a:gd name="adj" fmla="val 50000"/>
-            </a:avLst>
-          </a:prstGeom>
-          <a:solidFill>
-            <a:srgbClr val="44a68a"/>
-          </a:solidFill>
-          <a:ln w="25560">
-            <a:noFill/>
-          </a:ln>
-        </p:spPr>
-        <p:style>
-          <a:lnRef idx="0"/>
-          <a:fillRef idx="0"/>
-          <a:effectRef idx="0"/>
-          <a:fontRef idx="minor"/>
-        </p:style>
-        <p:txBody>
-          <a:bodyPr lIns="90000" rIns="90000" tIns="45000" bIns="45000" anchor="ctr"/>
-          <a:p>
-            <a:pPr algn="ctr">
-              <a:lnSpc>
-                <a:spcPct val="100000"/>
-              </a:lnSpc>
-            </a:pPr>
-            <a:r>
-              <a:rPr b="0" lang="en-GB" sz="1800" spc="-1" strike="noStrike">
-                <a:solidFill>
-                  <a:srgbClr val="ffffff"/>
-                </a:solidFill>
-                <a:latin typeface="Calibri"/>
-                <a:ea typeface="DejaVu Sans"/>
-              </a:rPr>
-              <a:t>http</a:t>
-            </a:r>
-            <a:endParaRPr b="0" lang="en-GB" sz="1800" spc="-1" strike="noStrike">
-              <a:latin typeface="Arial"/>
-            </a:endParaRPr>
-          </a:p>
-        </p:txBody>
-      </p:sp>
-      <p:sp>
-        <p:nvSpPr>
-          <p:cNvPr id="163" name="CustomShape 8"/>
+      </p:sp>
+      <p:sp>
+        <p:nvSpPr>
+          <p:cNvPr id="163" name="CustomShape 4"/>
           <p:cNvSpPr/>
           <p:nvPr/>
         </p:nvSpPr>
@@ -7119,7 +7430,27 @@
                 <a:latin typeface="Calibri"/>
                 <a:ea typeface="DejaVu Sans"/>
               </a:rPr>
-              <a:t>https://dynamicsvalue.com</a:t>
+              <a:t>https://</a:t>
+            </a:r>
+            <a:r>
+              <a:rPr b="0" lang="en-GB" sz="2000" spc="-1" strike="noStrike">
+                <a:solidFill>
+                  <a:srgbClr val="d9d9d9"/>
+                </a:solidFill>
+                <a:latin typeface="Calibri"/>
+                <a:ea typeface="DejaVu Sans"/>
+              </a:rPr>
+              <a:t>dynamicsvalue.</a:t>
+            </a:r>
+            <a:r>
+              <a:rPr b="0" lang="en-GB" sz="2000" spc="-1" strike="noStrike">
+                <a:solidFill>
+                  <a:srgbClr val="d9d9d9"/>
+                </a:solidFill>
+                <a:latin typeface="Calibri"/>
+                <a:ea typeface="DejaVu Sans"/>
+              </a:rPr>
+              <a:t>com</a:t>
             </a:r>
             <a:endParaRPr b="0" lang="en-GB" sz="2000" spc="-1" strike="noStrike">
               <a:latin typeface="Arial"/>
@@ -7187,6 +7518,413 @@
               </a:spcBef>
             </a:pPr>
             <a:endParaRPr b="0" lang="en-GB" sz="2000" spc="-1" strike="noStrike">
+              <a:latin typeface="Arial"/>
+            </a:endParaRPr>
+          </a:p>
+        </p:txBody>
+      </p:sp>
+      <p:sp>
+        <p:nvSpPr>
+          <p:cNvPr id="164" name="TextShape 5"/>
+          <p:cNvSpPr txBox="1"/>
+          <p:nvPr/>
+        </p:nvSpPr>
+        <p:spPr>
+          <a:xfrm>
+            <a:off x="653400" y="2278440"/>
+            <a:ext cx="11226600" cy="889560"/>
+          </a:xfrm>
+          <a:prstGeom prst="rect">
+            <a:avLst/>
+          </a:prstGeom>
+          <a:noFill/>
+          <a:ln>
+            <a:noFill/>
+          </a:ln>
+        </p:spPr>
+        <p:txBody>
+          <a:bodyPr lIns="90000" rIns="90000" tIns="45000" bIns="45000"/>
+          <a:p>
+            <a:r>
+              <a:rPr b="0" lang="en-GB" sz="1400" spc="-1" strike="noStrike">
+                <a:latin typeface="Arial"/>
+              </a:rPr>
+              <a:t>string registeredPreImageName = "PreImage";</a:t>
+            </a:r>
+            <a:endParaRPr b="0" lang="en-GB" sz="1400" spc="-1" strike="noStrike">
+              <a:latin typeface="Arial"/>
+            </a:endParaRPr>
+          </a:p>
+          <a:p>
+            <a:r>
+              <a:rPr b="0" lang="en-GB" sz="1400" spc="-1" strike="noStrike">
+                <a:latin typeface="Arial"/>
+              </a:rPr>
+              <a:t>PluginImageDefinition preImageDefinition = new PluginImageDefinition(registeredPreImageName, ProcessingStepImageType.PreImage);</a:t>
+            </a:r>
+            <a:endParaRPr b="0" lang="en-GB" sz="1400" spc="-1" strike="noStrike">
+              <a:latin typeface="Arial"/>
+            </a:endParaRPr>
+          </a:p>
+          <a:p>
+            <a:r>
+              <a:rPr b="0" lang="en-GB" sz="1400" spc="-1" strike="noStrike">
+                <a:latin typeface="Arial"/>
+              </a:rPr>
+              <a:t>_context.RegisterPluginStep&lt;EntityImagesInPluginPipeline&gt;("Update", registeredImages: new PluginImageDefinition[] { preImageDefinition });</a:t>
+            </a:r>
+            <a:endParaRPr b="0" lang="en-GB" sz="1400" spc="-1" strike="noStrike">
+              <a:latin typeface="Arial"/>
+            </a:endParaRPr>
+          </a:p>
+        </p:txBody>
+      </p:sp>
+      <p:sp>
+        <p:nvSpPr>
+          <p:cNvPr id="165" name="CustomShape 6"/>
+          <p:cNvSpPr/>
+          <p:nvPr/>
+        </p:nvSpPr>
+        <p:spPr>
+          <a:xfrm>
+            <a:off x="1512000" y="5370840"/>
+            <a:ext cx="9576000" cy="461160"/>
+          </a:xfrm>
+          <a:prstGeom prst="rect">
+            <a:avLst/>
+          </a:prstGeom>
+          <a:noFill/>
+          <a:ln>
+            <a:noFill/>
+          </a:ln>
+        </p:spPr>
+        <p:style>
+          <a:lnRef idx="0"/>
+          <a:fillRef idx="0"/>
+          <a:effectRef idx="0"/>
+          <a:fontRef idx="minor"/>
+        </p:style>
+        <p:txBody>
+          <a:bodyPr lIns="90000" rIns="90000" tIns="45000" bIns="45000"/>
+          <a:p>
+            <a:pPr>
+              <a:lnSpc>
+                <a:spcPct val="90000"/>
+              </a:lnSpc>
+              <a:spcBef>
+                <a:spcPts val="1001"/>
+              </a:spcBef>
+            </a:pPr>
+            <a:r>
+              <a:rPr b="0" lang="en-GB" sz="1800" spc="-1" strike="noStrike">
+                <a:solidFill>
+                  <a:srgbClr val="d9d9d9"/>
+                </a:solidFill>
+                <a:latin typeface="Calibri"/>
+                <a:ea typeface="DejaVu Sans"/>
+              </a:rPr>
+              <a:t>https://dynamicsvalue.github.io/fake-xrm-easy-docs/releases/2x/2.1.0/</a:t>
+            </a:r>
+            <a:endParaRPr b="0" lang="en-GB" sz="1800" spc="-1" strike="noStrike">
+              <a:latin typeface="Arial"/>
+            </a:endParaRPr>
+          </a:p>
+          <a:p>
+            <a:pPr>
+              <a:lnSpc>
+                <a:spcPct val="90000"/>
+              </a:lnSpc>
+              <a:spcBef>
+                <a:spcPts val="1001"/>
+              </a:spcBef>
+            </a:pPr>
+            <a:endParaRPr b="0" lang="en-GB" sz="1800" spc="-1" strike="noStrike">
+              <a:latin typeface="Arial"/>
+            </a:endParaRPr>
+          </a:p>
+          <a:p>
+            <a:pPr>
+              <a:lnSpc>
+                <a:spcPct val="90000"/>
+              </a:lnSpc>
+              <a:spcBef>
+                <a:spcPts val="1001"/>
+              </a:spcBef>
+            </a:pPr>
+            <a:endParaRPr b="0" lang="en-GB" sz="1800" spc="-1" strike="noStrike">
+              <a:latin typeface="Arial"/>
+            </a:endParaRPr>
+          </a:p>
+          <a:p>
+            <a:pPr>
+              <a:lnSpc>
+                <a:spcPct val="90000"/>
+              </a:lnSpc>
+              <a:spcBef>
+                <a:spcPts val="1001"/>
+              </a:spcBef>
+            </a:pPr>
+            <a:endParaRPr b="0" lang="en-GB" sz="1800" spc="-1" strike="noStrike">
+              <a:latin typeface="Arial"/>
+            </a:endParaRPr>
+          </a:p>
+          <a:p>
+            <a:pPr>
+              <a:lnSpc>
+                <a:spcPct val="90000"/>
+              </a:lnSpc>
+              <a:spcBef>
+                <a:spcPts val="1001"/>
+              </a:spcBef>
+            </a:pPr>
+            <a:endParaRPr b="0" lang="en-GB" sz="1800" spc="-1" strike="noStrike">
+              <a:latin typeface="Arial"/>
+            </a:endParaRPr>
+          </a:p>
+          <a:p>
+            <a:pPr>
+              <a:lnSpc>
+                <a:spcPct val="90000"/>
+              </a:lnSpc>
+              <a:spcBef>
+                <a:spcPts val="1001"/>
+              </a:spcBef>
+            </a:pPr>
+            <a:endParaRPr b="0" lang="en-GB" sz="1800" spc="-1" strike="noStrike">
+              <a:latin typeface="Arial"/>
+            </a:endParaRPr>
+          </a:p>
+        </p:txBody>
+      </p:sp>
+      <p:sp>
+        <p:nvSpPr>
+          <p:cNvPr id="166" name="CustomShape 7"/>
+          <p:cNvSpPr/>
+          <p:nvPr/>
+        </p:nvSpPr>
+        <p:spPr>
+          <a:xfrm>
+            <a:off x="767160" y="3265560"/>
+            <a:ext cx="6792840" cy="694440"/>
+          </a:xfrm>
+          <a:prstGeom prst="rect">
+            <a:avLst/>
+          </a:prstGeom>
+          <a:noFill/>
+          <a:ln>
+            <a:noFill/>
+          </a:ln>
+        </p:spPr>
+        <p:style>
+          <a:lnRef idx="0"/>
+          <a:fillRef idx="0"/>
+          <a:effectRef idx="0"/>
+          <a:fontRef idx="minor"/>
+        </p:style>
+        <p:txBody>
+          <a:bodyPr lIns="90000" rIns="90000" tIns="45000" bIns="45000">
+            <a:normAutofit/>
+          </a:bodyPr>
+          <a:p>
+            <a:pPr marL="228600" indent="-226440">
+              <a:lnSpc>
+                <a:spcPct val="90000"/>
+              </a:lnSpc>
+              <a:spcBef>
+                <a:spcPts val="1001"/>
+              </a:spcBef>
+              <a:buClr>
+                <a:srgbClr val="d9d9d9"/>
+              </a:buClr>
+              <a:buFont typeface="Arial"/>
+              <a:buChar char="•"/>
+            </a:pPr>
+            <a:r>
+              <a:rPr b="0" lang="en-GB" sz="2800" spc="-1" strike="noStrike">
+                <a:solidFill>
+                  <a:srgbClr val="d9d9d9"/>
+                </a:solidFill>
+                <a:latin typeface="Calibri"/>
+                <a:ea typeface="DejaVu Sans"/>
+              </a:rPr>
+              <a:t>Plugin Step Sequence</a:t>
+            </a:r>
+            <a:endParaRPr b="0" lang="en-GB" sz="2800" spc="-1" strike="noStrike">
+              <a:latin typeface="Arial"/>
+            </a:endParaRPr>
+          </a:p>
+          <a:p>
+            <a:pPr>
+              <a:lnSpc>
+                <a:spcPct val="90000"/>
+              </a:lnSpc>
+              <a:spcBef>
+                <a:spcPts val="1001"/>
+              </a:spcBef>
+            </a:pPr>
+            <a:endParaRPr b="0" lang="en-GB" sz="2800" spc="-1" strike="noStrike">
+              <a:latin typeface="Arial"/>
+            </a:endParaRPr>
+          </a:p>
+          <a:p>
+            <a:pPr>
+              <a:lnSpc>
+                <a:spcPct val="90000"/>
+              </a:lnSpc>
+              <a:spcBef>
+                <a:spcPts val="1001"/>
+              </a:spcBef>
+            </a:pPr>
+            <a:endParaRPr b="0" lang="en-GB" sz="2800" spc="-1" strike="noStrike">
+              <a:latin typeface="Arial"/>
+            </a:endParaRPr>
+          </a:p>
+          <a:p>
+            <a:pPr>
+              <a:lnSpc>
+                <a:spcPct val="90000"/>
+              </a:lnSpc>
+              <a:spcBef>
+                <a:spcPts val="1001"/>
+              </a:spcBef>
+            </a:pPr>
+            <a:endParaRPr b="0" lang="en-GB" sz="2800" spc="-1" strike="noStrike">
+              <a:latin typeface="Arial"/>
+            </a:endParaRPr>
+          </a:p>
+          <a:p>
+            <a:pPr>
+              <a:lnSpc>
+                <a:spcPct val="90000"/>
+              </a:lnSpc>
+              <a:spcBef>
+                <a:spcPts val="1001"/>
+              </a:spcBef>
+            </a:pPr>
+            <a:endParaRPr b="0" lang="en-GB" sz="2800" spc="-1" strike="noStrike">
+              <a:latin typeface="Arial"/>
+            </a:endParaRPr>
+          </a:p>
+          <a:p>
+            <a:pPr>
+              <a:lnSpc>
+                <a:spcPct val="90000"/>
+              </a:lnSpc>
+              <a:spcBef>
+                <a:spcPts val="1001"/>
+              </a:spcBef>
+            </a:pPr>
+            <a:endParaRPr b="0" lang="en-GB" sz="2800" spc="-1" strike="noStrike">
+              <a:latin typeface="Arial"/>
+            </a:endParaRPr>
+          </a:p>
+          <a:p>
+            <a:pPr>
+              <a:lnSpc>
+                <a:spcPct val="90000"/>
+              </a:lnSpc>
+              <a:spcBef>
+                <a:spcPts val="1001"/>
+              </a:spcBef>
+            </a:pPr>
+            <a:endParaRPr b="0" lang="en-GB" sz="2800" spc="-1" strike="noStrike">
+              <a:latin typeface="Arial"/>
+            </a:endParaRPr>
+          </a:p>
+          <a:p>
+            <a:pPr>
+              <a:lnSpc>
+                <a:spcPct val="90000"/>
+              </a:lnSpc>
+              <a:spcBef>
+                <a:spcPts val="499"/>
+              </a:spcBef>
+            </a:pPr>
+            <a:endParaRPr b="0" lang="en-GB" sz="2800" spc="-1" strike="noStrike">
+              <a:latin typeface="Arial"/>
+            </a:endParaRPr>
+          </a:p>
+          <a:p>
+            <a:pPr>
+              <a:lnSpc>
+                <a:spcPct val="90000"/>
+              </a:lnSpc>
+              <a:spcBef>
+                <a:spcPts val="1001"/>
+              </a:spcBef>
+            </a:pPr>
+            <a:endParaRPr b="0" lang="en-GB" sz="2800" spc="-1" strike="noStrike">
+              <a:latin typeface="Arial"/>
+            </a:endParaRPr>
+          </a:p>
+          <a:p>
+            <a:pPr>
+              <a:lnSpc>
+                <a:spcPct val="90000"/>
+              </a:lnSpc>
+              <a:spcBef>
+                <a:spcPts val="1001"/>
+              </a:spcBef>
+            </a:pPr>
+            <a:endParaRPr b="0" lang="en-GB" sz="2800" spc="-1" strike="noStrike">
+              <a:latin typeface="Arial"/>
+            </a:endParaRPr>
+          </a:p>
+          <a:p>
+            <a:pPr>
+              <a:lnSpc>
+                <a:spcPct val="90000"/>
+              </a:lnSpc>
+              <a:spcBef>
+                <a:spcPts val="1001"/>
+              </a:spcBef>
+            </a:pPr>
+            <a:endParaRPr b="0" lang="en-GB" sz="2800" spc="-1" strike="noStrike">
+              <a:latin typeface="Arial"/>
+            </a:endParaRPr>
+          </a:p>
+        </p:txBody>
+      </p:sp>
+      <p:sp>
+        <p:nvSpPr>
+          <p:cNvPr id="167" name="TextShape 8"/>
+          <p:cNvSpPr txBox="1"/>
+          <p:nvPr/>
+        </p:nvSpPr>
+        <p:spPr>
+          <a:xfrm>
+            <a:off x="648000" y="3960000"/>
+            <a:ext cx="11226600" cy="602640"/>
+          </a:xfrm>
+          <a:prstGeom prst="rect">
+            <a:avLst/>
+          </a:prstGeom>
+          <a:noFill/>
+          <a:ln>
+            <a:noFill/>
+          </a:ln>
+        </p:spPr>
+        <p:txBody>
+          <a:bodyPr lIns="90000" rIns="90000" tIns="45000" bIns="45000"/>
+          <a:p>
+            <a:r>
+              <a:rPr b="0" lang="en-GB" sz="1800" spc="-1" strike="noStrike">
+                <a:latin typeface="Arial"/>
+              </a:rPr>
+              <a:t>_context.RegisterPluginStep&lt;FollowupPlugin2&gt;(requestName, stage, mode, rank: 2);</a:t>
+            </a:r>
+            <a:endParaRPr b="0" lang="en-GB" sz="1800" spc="-1" strike="noStrike">
+              <a:latin typeface="Arial"/>
+            </a:endParaRPr>
+          </a:p>
+          <a:p>
+            <a:r>
+              <a:rPr b="0" lang="en-GB" sz="1800" spc="-1" strike="noStrike">
+                <a:latin typeface="Arial"/>
+              </a:rPr>
+              <a:t>_context.RegisterPluginStep&lt;FollowupPlugin&gt;(requestName, stage, mode, rank: 1);</a:t>
+            </a:r>
+            <a:endParaRPr b="0" lang="en-GB" sz="1800" spc="-1" strike="noStrike">
               <a:latin typeface="Arial"/>
             </a:endParaRPr>
           </a:p>
@@ -7243,7 +7981,7 @@
       </p:grpSpPr>
       <p:pic>
         <p:nvPicPr>
-          <p:cNvPr id="164" name="Picture 3" descr=""/>
+          <p:cNvPr id="168" name="Picture 3" descr=""/>
           <p:cNvPicPr/>
           <p:nvPr/>
         </p:nvPicPr>
@@ -7266,7 +8004,7 @@
       </p:pic>
       <p:sp>
         <p:nvSpPr>
-          <p:cNvPr id="165" name="CustomShape 1"/>
+          <p:cNvPr id="169" name="CustomShape 1"/>
           <p:cNvSpPr/>
           <p:nvPr/>
         </p:nvSpPr>
@@ -7305,7 +8043,7 @@
                 <a:latin typeface="Calibri Light"/>
                 <a:ea typeface="DejaVu Sans"/>
               </a:rPr>
-              <a:t>Recap</a:t>
+              <a:t>Pipeline enhancements</a:t>
             </a:r>
             <a:endParaRPr b="0" lang="en-GB" sz="4400" spc="-1" strike="noStrike">
               <a:latin typeface="Arial"/>
@@ -7315,14 +8053,14 @@
       </p:sp>
       <p:sp>
         <p:nvSpPr>
-          <p:cNvPr id="166" name="CustomShape 2"/>
+          <p:cNvPr id="170" name="CustomShape 2"/>
           <p:cNvSpPr/>
           <p:nvPr/>
         </p:nvSpPr>
         <p:spPr>
           <a:xfrm>
-            <a:off x="838080" y="1708560"/>
-            <a:ext cx="10536840" cy="2565360"/>
+            <a:off x="838080" y="1681560"/>
+            <a:ext cx="3984840" cy="694440"/>
           </a:xfrm>
           <a:prstGeom prst="rect">
             <a:avLst/>
@@ -7343,80 +8081,108 @@
             <a:normAutofit/>
           </a:bodyPr>
           <a:p>
-            <a:pPr>
-              <a:lnSpc>
-                <a:spcPct val="90000"/>
-              </a:lnSpc>
-              <a:spcBef>
-                <a:spcPts val="1001"/>
-              </a:spcBef>
-            </a:pPr>
-            <a:endParaRPr b="0" lang="en-GB" sz="1800" spc="-1" strike="noStrike">
-              <a:latin typeface="Arial"/>
-            </a:endParaRPr>
-          </a:p>
-          <a:p>
-            <a:pPr>
-              <a:lnSpc>
-                <a:spcPct val="90000"/>
-              </a:lnSpc>
-              <a:spcBef>
-                <a:spcPts val="1001"/>
-              </a:spcBef>
-            </a:pPr>
-            <a:endParaRPr b="0" lang="en-GB" sz="1800" spc="-1" strike="noStrike">
-              <a:latin typeface="Arial"/>
-            </a:endParaRPr>
-          </a:p>
-          <a:p>
-            <a:pPr>
-              <a:lnSpc>
-                <a:spcPct val="90000"/>
-              </a:lnSpc>
-              <a:spcBef>
-                <a:spcPts val="1001"/>
-              </a:spcBef>
-            </a:pPr>
-            <a:endParaRPr b="0" lang="en-GB" sz="1800" spc="-1" strike="noStrike">
-              <a:latin typeface="Arial"/>
-            </a:endParaRPr>
-          </a:p>
-          <a:p>
-            <a:pPr>
-              <a:lnSpc>
-                <a:spcPct val="90000"/>
-              </a:lnSpc>
-              <a:spcBef>
-                <a:spcPts val="1001"/>
-              </a:spcBef>
-            </a:pPr>
-            <a:endParaRPr b="0" lang="en-GB" sz="1800" spc="-1" strike="noStrike">
-              <a:latin typeface="Arial"/>
-            </a:endParaRPr>
-          </a:p>
-          <a:p>
-            <a:pPr>
-              <a:lnSpc>
-                <a:spcPct val="90000"/>
-              </a:lnSpc>
-              <a:spcBef>
-                <a:spcPts val="1001"/>
-              </a:spcBef>
-            </a:pPr>
-            <a:endParaRPr b="0" lang="en-GB" sz="1800" spc="-1" strike="noStrike">
-              <a:latin typeface="Arial"/>
-            </a:endParaRPr>
-          </a:p>
-          <a:p>
-            <a:pPr>
-              <a:lnSpc>
-                <a:spcPct val="90000"/>
-              </a:lnSpc>
-              <a:spcBef>
-                <a:spcPts val="1001"/>
-              </a:spcBef>
-            </a:pPr>
-            <a:endParaRPr b="0" lang="en-GB" sz="1800" spc="-1" strike="noStrike">
+            <a:pPr marL="228600" indent="-226440">
+              <a:lnSpc>
+                <a:spcPct val="90000"/>
+              </a:lnSpc>
+              <a:spcBef>
+                <a:spcPts val="1001"/>
+              </a:spcBef>
+              <a:buClr>
+                <a:srgbClr val="d9d9d9"/>
+              </a:buClr>
+              <a:buFont typeface="Arial"/>
+              <a:buChar char="•"/>
+            </a:pPr>
+            <a:r>
+              <a:rPr b="0" lang="en-GB" sz="2800" spc="-1" strike="noStrike">
+                <a:solidFill>
+                  <a:srgbClr val="d9d9d9"/>
+                </a:solidFill>
+                <a:latin typeface="Calibri"/>
+                <a:ea typeface="DejaVu Sans"/>
+              </a:rPr>
+              <a:t>Plugin Step Images</a:t>
+            </a:r>
+            <a:endParaRPr b="0" lang="en-GB" sz="2800" spc="-1" strike="noStrike">
+              <a:latin typeface="Arial"/>
+            </a:endParaRPr>
+          </a:p>
+          <a:p>
+            <a:pPr>
+              <a:lnSpc>
+                <a:spcPct val="90000"/>
+              </a:lnSpc>
+              <a:spcBef>
+                <a:spcPts val="1001"/>
+              </a:spcBef>
+            </a:pPr>
+            <a:endParaRPr b="0" lang="en-GB" sz="2800" spc="-1" strike="noStrike">
+              <a:latin typeface="Arial"/>
+            </a:endParaRPr>
+          </a:p>
+          <a:p>
+            <a:pPr>
+              <a:lnSpc>
+                <a:spcPct val="90000"/>
+              </a:lnSpc>
+              <a:spcBef>
+                <a:spcPts val="1001"/>
+              </a:spcBef>
+            </a:pPr>
+            <a:endParaRPr b="0" lang="en-GB" sz="2800" spc="-1" strike="noStrike">
+              <a:latin typeface="Arial"/>
+            </a:endParaRPr>
+          </a:p>
+          <a:p>
+            <a:pPr>
+              <a:lnSpc>
+                <a:spcPct val="90000"/>
+              </a:lnSpc>
+              <a:spcBef>
+                <a:spcPts val="1001"/>
+              </a:spcBef>
+            </a:pPr>
+            <a:endParaRPr b="0" lang="en-GB" sz="2800" spc="-1" strike="noStrike">
+              <a:latin typeface="Arial"/>
+            </a:endParaRPr>
+          </a:p>
+          <a:p>
+            <a:pPr>
+              <a:lnSpc>
+                <a:spcPct val="90000"/>
+              </a:lnSpc>
+              <a:spcBef>
+                <a:spcPts val="1001"/>
+              </a:spcBef>
+            </a:pPr>
+            <a:endParaRPr b="0" lang="en-GB" sz="2800" spc="-1" strike="noStrike">
+              <a:latin typeface="Arial"/>
+            </a:endParaRPr>
+          </a:p>
+          <a:p>
+            <a:pPr>
+              <a:lnSpc>
+                <a:spcPct val="90000"/>
+              </a:lnSpc>
+              <a:spcBef>
+                <a:spcPts val="1001"/>
+              </a:spcBef>
+            </a:pPr>
+            <a:endParaRPr b="0" lang="en-GB" sz="2800" spc="-1" strike="noStrike">
+              <a:latin typeface="Arial"/>
+            </a:endParaRPr>
+          </a:p>
+          <a:p>
+            <a:pPr>
+              <a:lnSpc>
+                <a:spcPct val="90000"/>
+              </a:lnSpc>
+              <a:spcBef>
+                <a:spcPts val="1001"/>
+              </a:spcBef>
+            </a:pPr>
+            <a:endParaRPr b="0" lang="en-GB" sz="2800" spc="-1" strike="noStrike">
               <a:latin typeface="Arial"/>
             </a:endParaRPr>
           </a:p>
@@ -7429,46 +8195,46 @@
                 <a:spcPts val="499"/>
               </a:spcBef>
             </a:pPr>
-            <a:endParaRPr b="0" lang="en-GB" sz="1800" spc="-1" strike="noStrike">
-              <a:latin typeface="Arial"/>
-            </a:endParaRPr>
-          </a:p>
-          <a:p>
-            <a:pPr>
-              <a:lnSpc>
-                <a:spcPct val="90000"/>
-              </a:lnSpc>
-              <a:spcBef>
-                <a:spcPts val="1001"/>
-              </a:spcBef>
-            </a:pPr>
-            <a:endParaRPr b="0" lang="en-GB" sz="1800" spc="-1" strike="noStrike">
-              <a:latin typeface="Arial"/>
-            </a:endParaRPr>
-          </a:p>
-          <a:p>
-            <a:pPr>
-              <a:lnSpc>
-                <a:spcPct val="90000"/>
-              </a:lnSpc>
-              <a:spcBef>
-                <a:spcPts val="1001"/>
-              </a:spcBef>
-            </a:pPr>
-            <a:endParaRPr b="0" lang="en-GB" sz="1800" spc="-1" strike="noStrike">
-              <a:latin typeface="Arial"/>
-            </a:endParaRPr>
-          </a:p>
-          <a:p>
-            <a:pPr>
-              <a:lnSpc>
-                <a:spcPct val="90000"/>
-              </a:lnSpc>
-              <a:spcBef>
-                <a:spcPts val="1001"/>
-              </a:spcBef>
-            </a:pPr>
-            <a:endParaRPr b="0" lang="en-GB" sz="1800" spc="-1" strike="noStrike">
+            <a:endParaRPr b="0" lang="en-GB" sz="2800" spc="-1" strike="noStrike">
+              <a:latin typeface="Arial"/>
+            </a:endParaRPr>
+          </a:p>
+          <a:p>
+            <a:pPr>
+              <a:lnSpc>
+                <a:spcPct val="90000"/>
+              </a:lnSpc>
+              <a:spcBef>
+                <a:spcPts val="1001"/>
+              </a:spcBef>
+            </a:pPr>
+            <a:endParaRPr b="0" lang="en-GB" sz="2800" spc="-1" strike="noStrike">
+              <a:latin typeface="Arial"/>
+            </a:endParaRPr>
+          </a:p>
+          <a:p>
+            <a:pPr>
+              <a:lnSpc>
+                <a:spcPct val="90000"/>
+              </a:lnSpc>
+              <a:spcBef>
+                <a:spcPts val="1001"/>
+              </a:spcBef>
+            </a:pPr>
+            <a:endParaRPr b="0" lang="en-GB" sz="2800" spc="-1" strike="noStrike">
+              <a:latin typeface="Arial"/>
+            </a:endParaRPr>
+          </a:p>
+          <a:p>
+            <a:pPr>
+              <a:lnSpc>
+                <a:spcPct val="90000"/>
+              </a:lnSpc>
+              <a:spcBef>
+                <a:spcPts val="1001"/>
+              </a:spcBef>
+            </a:pPr>
+            <a:endParaRPr b="0" lang="en-GB" sz="2800" spc="-1" strike="noStrike">
               <a:latin typeface="Arial"/>
             </a:endParaRPr>
           </a:p>
@@ -7476,7 +8242,7 @@
       </p:sp>
       <p:sp>
         <p:nvSpPr>
-          <p:cNvPr id="167" name="CustomShape 3"/>
+          <p:cNvPr id="171" name="CustomShape 3"/>
           <p:cNvSpPr/>
           <p:nvPr/>
         </p:nvSpPr>
@@ -7502,14 +8268,309 @@
       </p:sp>
       <p:sp>
         <p:nvSpPr>
-          <p:cNvPr id="168" name="CustomShape 4"/>
+          <p:cNvPr id="172" name="CustomShape 4"/>
           <p:cNvSpPr/>
           <p:nvPr/>
         </p:nvSpPr>
         <p:spPr>
           <a:xfrm>
-            <a:off x="838080" y="1708560"/>
-            <a:ext cx="11112840" cy="3258360"/>
+            <a:off x="7848000" y="6153840"/>
+            <a:ext cx="4104000" cy="461160"/>
+          </a:xfrm>
+          <a:prstGeom prst="rect">
+            <a:avLst/>
+          </a:prstGeom>
+          <a:noFill/>
+          <a:ln>
+            <a:noFill/>
+          </a:ln>
+        </p:spPr>
+        <p:style>
+          <a:lnRef idx="0"/>
+          <a:fillRef idx="0"/>
+          <a:effectRef idx="0"/>
+          <a:fontRef idx="minor"/>
+        </p:style>
+        <p:txBody>
+          <a:bodyPr lIns="90000" rIns="90000" tIns="45000" bIns="45000"/>
+          <a:p>
+            <a:pPr marL="228600" indent="-226440">
+              <a:lnSpc>
+                <a:spcPct val="90000"/>
+              </a:lnSpc>
+              <a:spcBef>
+                <a:spcPts val="1001"/>
+              </a:spcBef>
+              <a:buClr>
+                <a:srgbClr val="d9d9d9"/>
+              </a:buClr>
+              <a:buFont typeface="Arial"/>
+              <a:buChar char="•"/>
+            </a:pPr>
+            <a:r>
+              <a:rPr b="0" lang="en-GB" sz="2000" spc="-1" strike="noStrike">
+                <a:solidFill>
+                  <a:srgbClr val="d9d9d9"/>
+                </a:solidFill>
+                <a:latin typeface="Calibri"/>
+                <a:ea typeface="DejaVu Sans"/>
+              </a:rPr>
+              <a:t>https://dynamicsvalue.com</a:t>
+            </a:r>
+            <a:endParaRPr b="0" lang="en-GB" sz="2000" spc="-1" strike="noStrike">
+              <a:latin typeface="Arial"/>
+            </a:endParaRPr>
+          </a:p>
+          <a:p>
+            <a:pPr>
+              <a:lnSpc>
+                <a:spcPct val="90000"/>
+              </a:lnSpc>
+              <a:spcBef>
+                <a:spcPts val="1001"/>
+              </a:spcBef>
+            </a:pPr>
+            <a:endParaRPr b="0" lang="en-GB" sz="2000" spc="-1" strike="noStrike">
+              <a:latin typeface="Arial"/>
+            </a:endParaRPr>
+          </a:p>
+          <a:p>
+            <a:pPr>
+              <a:lnSpc>
+                <a:spcPct val="90000"/>
+              </a:lnSpc>
+              <a:spcBef>
+                <a:spcPts val="1001"/>
+              </a:spcBef>
+            </a:pPr>
+            <a:endParaRPr b="0" lang="en-GB" sz="2000" spc="-1" strike="noStrike">
+              <a:latin typeface="Arial"/>
+            </a:endParaRPr>
+          </a:p>
+          <a:p>
+            <a:pPr>
+              <a:lnSpc>
+                <a:spcPct val="90000"/>
+              </a:lnSpc>
+              <a:spcBef>
+                <a:spcPts val="1001"/>
+              </a:spcBef>
+            </a:pPr>
+            <a:endParaRPr b="0" lang="en-GB" sz="2000" spc="-1" strike="noStrike">
+              <a:latin typeface="Arial"/>
+            </a:endParaRPr>
+          </a:p>
+          <a:p>
+            <a:pPr>
+              <a:lnSpc>
+                <a:spcPct val="90000"/>
+              </a:lnSpc>
+              <a:spcBef>
+                <a:spcPts val="1001"/>
+              </a:spcBef>
+            </a:pPr>
+            <a:endParaRPr b="0" lang="en-GB" sz="2000" spc="-1" strike="noStrike">
+              <a:latin typeface="Arial"/>
+            </a:endParaRPr>
+          </a:p>
+          <a:p>
+            <a:pPr>
+              <a:lnSpc>
+                <a:spcPct val="90000"/>
+              </a:lnSpc>
+              <a:spcBef>
+                <a:spcPts val="1001"/>
+              </a:spcBef>
+            </a:pPr>
+            <a:endParaRPr b="0" lang="en-GB" sz="2000" spc="-1" strike="noStrike">
+              <a:latin typeface="Arial"/>
+            </a:endParaRPr>
+          </a:p>
+        </p:txBody>
+      </p:sp>
+      <p:sp>
+        <p:nvSpPr>
+          <p:cNvPr id="173" name="TextShape 5"/>
+          <p:cNvSpPr txBox="1"/>
+          <p:nvPr/>
+        </p:nvSpPr>
+        <p:spPr>
+          <a:xfrm>
+            <a:off x="653400" y="2278440"/>
+            <a:ext cx="11226600" cy="889560"/>
+          </a:xfrm>
+          <a:prstGeom prst="rect">
+            <a:avLst/>
+          </a:prstGeom>
+          <a:noFill/>
+          <a:ln>
+            <a:noFill/>
+          </a:ln>
+        </p:spPr>
+        <p:txBody>
+          <a:bodyPr lIns="90000" rIns="90000" tIns="45000" bIns="45000"/>
+          <a:p>
+            <a:r>
+              <a:rPr b="0" lang="en-GB" sz="1400" spc="-1" strike="noStrike">
+                <a:latin typeface="Arial"/>
+              </a:rPr>
+              <a:t>string registeredPreImageName = "PreImage";</a:t>
+            </a:r>
+            <a:endParaRPr b="0" lang="en-GB" sz="1400" spc="-1" strike="noStrike">
+              <a:latin typeface="Arial"/>
+            </a:endParaRPr>
+          </a:p>
+          <a:p>
+            <a:r>
+              <a:rPr b="0" lang="en-GB" sz="1400" spc="-1" strike="noStrike">
+                <a:latin typeface="Arial"/>
+              </a:rPr>
+              <a:t>PluginImageDefinition preImageDefinition = new PluginImageDefinition(registeredPreImageName, ProcessingStepImageType.PreImage);</a:t>
+            </a:r>
+            <a:endParaRPr b="0" lang="en-GB" sz="1400" spc="-1" strike="noStrike">
+              <a:latin typeface="Arial"/>
+            </a:endParaRPr>
+          </a:p>
+          <a:p>
+            <a:r>
+              <a:rPr b="0" lang="en-GB" sz="1400" spc="-1" strike="noStrike">
+                <a:latin typeface="Arial"/>
+              </a:rPr>
+              <a:t>_context.RegisterPluginStep&lt;EntityImagesInPluginPipeline&gt;("Update", registeredImages: new PluginImageDefinition[] { preImageDefinition });</a:t>
+            </a:r>
+            <a:endParaRPr b="0" lang="en-GB" sz="1400" spc="-1" strike="noStrike">
+              <a:latin typeface="Arial"/>
+            </a:endParaRPr>
+          </a:p>
+        </p:txBody>
+      </p:sp>
+      <p:sp>
+        <p:nvSpPr>
+          <p:cNvPr id="174" name="CustomShape 6"/>
+          <p:cNvSpPr/>
+          <p:nvPr/>
+        </p:nvSpPr>
+        <p:spPr>
+          <a:xfrm>
+            <a:off x="1512000" y="5370840"/>
+            <a:ext cx="9576000" cy="461160"/>
+          </a:xfrm>
+          <a:prstGeom prst="rect">
+            <a:avLst/>
+          </a:prstGeom>
+          <a:noFill/>
+          <a:ln>
+            <a:noFill/>
+          </a:ln>
+        </p:spPr>
+        <p:style>
+          <a:lnRef idx="0"/>
+          <a:fillRef idx="0"/>
+          <a:effectRef idx="0"/>
+          <a:fontRef idx="minor"/>
+        </p:style>
+        <p:txBody>
+          <a:bodyPr lIns="90000" rIns="90000" tIns="45000" bIns="45000"/>
+          <a:p>
+            <a:pPr>
+              <a:lnSpc>
+                <a:spcPct val="90000"/>
+              </a:lnSpc>
+              <a:spcBef>
+                <a:spcPts val="1001"/>
+              </a:spcBef>
+            </a:pPr>
+            <a:r>
+              <a:rPr b="0" lang="en-GB" sz="1800" spc="-1" strike="noStrike">
+                <a:solidFill>
+                  <a:srgbClr val="d9d9d9"/>
+                </a:solidFill>
+                <a:latin typeface="Calibri"/>
+                <a:ea typeface="DejaVu Sans"/>
+              </a:rPr>
+              <a:t>https://dynamicsvalue.github.io/fake-xrm-easy-docs/releases/2x/2.1.0/</a:t>
+            </a:r>
+            <a:endParaRPr b="0" lang="en-GB" sz="1800" spc="-1" strike="noStrike">
+              <a:latin typeface="Arial"/>
+            </a:endParaRPr>
+          </a:p>
+          <a:p>
+            <a:pPr>
+              <a:lnSpc>
+                <a:spcPct val="90000"/>
+              </a:lnSpc>
+              <a:spcBef>
+                <a:spcPts val="1001"/>
+              </a:spcBef>
+            </a:pPr>
+            <a:endParaRPr b="0" lang="en-GB" sz="1800" spc="-1" strike="noStrike">
+              <a:latin typeface="Arial"/>
+            </a:endParaRPr>
+          </a:p>
+          <a:p>
+            <a:pPr>
+              <a:lnSpc>
+                <a:spcPct val="90000"/>
+              </a:lnSpc>
+              <a:spcBef>
+                <a:spcPts val="1001"/>
+              </a:spcBef>
+            </a:pPr>
+            <a:endParaRPr b="0" lang="en-GB" sz="1800" spc="-1" strike="noStrike">
+              <a:latin typeface="Arial"/>
+            </a:endParaRPr>
+          </a:p>
+          <a:p>
+            <a:pPr>
+              <a:lnSpc>
+                <a:spcPct val="90000"/>
+              </a:lnSpc>
+              <a:spcBef>
+                <a:spcPts val="1001"/>
+              </a:spcBef>
+            </a:pPr>
+            <a:endParaRPr b="0" lang="en-GB" sz="1800" spc="-1" strike="noStrike">
+              <a:latin typeface="Arial"/>
+            </a:endParaRPr>
+          </a:p>
+          <a:p>
+            <a:pPr>
+              <a:lnSpc>
+                <a:spcPct val="90000"/>
+              </a:lnSpc>
+              <a:spcBef>
+                <a:spcPts val="1001"/>
+              </a:spcBef>
+            </a:pPr>
+            <a:endParaRPr b="0" lang="en-GB" sz="1800" spc="-1" strike="noStrike">
+              <a:latin typeface="Arial"/>
+            </a:endParaRPr>
+          </a:p>
+          <a:p>
+            <a:pPr>
+              <a:lnSpc>
+                <a:spcPct val="90000"/>
+              </a:lnSpc>
+              <a:spcBef>
+                <a:spcPts val="1001"/>
+              </a:spcBef>
+            </a:pPr>
+            <a:endParaRPr b="0" lang="en-GB" sz="1800" spc="-1" strike="noStrike">
+              <a:latin typeface="Arial"/>
+            </a:endParaRPr>
+          </a:p>
+        </p:txBody>
+      </p:sp>
+      <p:sp>
+        <p:nvSpPr>
+          <p:cNvPr id="175" name="CustomShape 7"/>
+          <p:cNvSpPr/>
+          <p:nvPr/>
+        </p:nvSpPr>
+        <p:spPr>
+          <a:xfrm>
+            <a:off x="767160" y="3265560"/>
+            <a:ext cx="6792840" cy="694440"/>
           </a:xfrm>
           <a:prstGeom prst="rect">
             <a:avLst/>
@@ -7551,225 +8612,8 @@
                 <a:latin typeface="Calibri"/>
                 <a:ea typeface="DejaVu Sans"/>
               </a:rPr>
-              <a:t>Unit Testing is a fundamental aspect of the ALM story</a:t>
-            </a:r>
-            <a:endParaRPr b="0" lang="en-GB" sz="2800" spc="-1" strike="noStrike">
-              <a:latin typeface="Arial"/>
-            </a:endParaRPr>
-          </a:p>
-          <a:p>
-            <a:pPr marL="228600" indent="-226440">
-              <a:lnSpc>
-                <a:spcPct val="90000"/>
-              </a:lnSpc>
-              <a:spcBef>
-                <a:spcPts val="1001"/>
-              </a:spcBef>
-              <a:buClr>
-                <a:srgbClr val="d9d9d9"/>
-              </a:buClr>
-              <a:buFont typeface="Arial"/>
-              <a:buChar char="•"/>
-            </a:pPr>
-            <a:r>
-              <a:rPr b="0" lang="en-GB" sz="2800" spc="-1" strike="noStrike">
-                <a:solidFill>
-                  <a:srgbClr val="d9d9d9"/>
-                </a:solidFill>
-                <a:latin typeface="Calibri"/>
-                <a:ea typeface="DejaVu Sans"/>
-              </a:rPr>
-              <a:t>ProDev increased efficiency</a:t>
-            </a:r>
-            <a:endParaRPr b="0" lang="en-GB" sz="2800" spc="-1" strike="noStrike">
-              <a:latin typeface="Arial"/>
-            </a:endParaRPr>
-          </a:p>
-          <a:p>
-            <a:pPr marL="228600" indent="-226440">
-              <a:lnSpc>
-                <a:spcPct val="90000"/>
-              </a:lnSpc>
-              <a:spcBef>
-                <a:spcPts val="1001"/>
-              </a:spcBef>
-              <a:buClr>
-                <a:srgbClr val="d9d9d9"/>
-              </a:buClr>
-              <a:buFont typeface="Arial"/>
-              <a:buChar char="•"/>
-            </a:pPr>
-            <a:r>
-              <a:rPr b="0" lang="en-GB" sz="2800" spc="-1" strike="noStrike">
-                <a:solidFill>
-                  <a:srgbClr val="d9d9d9"/>
-                </a:solidFill>
-                <a:latin typeface="Calibri"/>
-                <a:ea typeface="DejaVu Sans"/>
-              </a:rPr>
-              <a:t>Develop &amp; debug locally many, without hitting an actual Dataverse environment</a:t>
-            </a:r>
-            <a:endParaRPr b="0" lang="en-GB" sz="2800" spc="-1" strike="noStrike">
-              <a:latin typeface="Arial"/>
-            </a:endParaRPr>
-          </a:p>
-          <a:p>
-            <a:pPr marL="228600" indent="-226440">
-              <a:lnSpc>
-                <a:spcPct val="90000"/>
-              </a:lnSpc>
-              <a:spcBef>
-                <a:spcPts val="1001"/>
-              </a:spcBef>
-              <a:buClr>
-                <a:srgbClr val="d9d9d9"/>
-              </a:buClr>
-              <a:buFont typeface="Arial"/>
-              <a:buChar char="•"/>
-            </a:pPr>
-            <a:r>
-              <a:rPr b="0" lang="en-GB" sz="2800" spc="-1" strike="noStrike">
-                <a:solidFill>
-                  <a:srgbClr val="d9d9d9"/>
-                </a:solidFill>
-                <a:latin typeface="Calibri"/>
-                <a:ea typeface="DejaVu Sans"/>
-              </a:rPr>
-              <a:t>v1.x is deprecated and in maintenance mode</a:t>
-            </a:r>
-            <a:endParaRPr b="0" lang="en-GB" sz="2800" spc="-1" strike="noStrike">
-              <a:latin typeface="Arial"/>
-            </a:endParaRPr>
-          </a:p>
-          <a:p>
-            <a:pPr marL="228600" indent="-226440">
-              <a:lnSpc>
-                <a:spcPct val="90000"/>
-              </a:lnSpc>
-              <a:spcBef>
-                <a:spcPts val="1001"/>
-              </a:spcBef>
-              <a:buClr>
-                <a:srgbClr val="d9d9d9"/>
-              </a:buClr>
-              <a:buFont typeface="Arial"/>
-              <a:buChar char="•"/>
-            </a:pPr>
-            <a:r>
-              <a:rPr b="0" lang="en-GB" sz="2800" spc="-1" strike="noStrike">
-                <a:solidFill>
-                  <a:srgbClr val="d9d9d9"/>
-                </a:solidFill>
-                <a:latin typeface="Calibri"/>
-                <a:ea typeface="DejaVu Sans"/>
-              </a:rPr>
-              <a:t>Use v2.x for server-side development on Windows </a:t>
-            </a:r>
-            <a:endParaRPr b="0" lang="en-GB" sz="2800" spc="-1" strike="noStrike">
-              <a:latin typeface="Arial"/>
-            </a:endParaRPr>
-          </a:p>
-          <a:p>
-            <a:pPr marL="228600" indent="-226440">
-              <a:lnSpc>
-                <a:spcPct val="90000"/>
-              </a:lnSpc>
-              <a:spcBef>
-                <a:spcPts val="1001"/>
-              </a:spcBef>
-              <a:buClr>
-                <a:srgbClr val="d9d9d9"/>
-              </a:buClr>
-              <a:buFont typeface="Arial"/>
-              <a:buChar char="•"/>
-            </a:pPr>
-            <a:r>
-              <a:rPr b="0" lang="en-GB" sz="2800" spc="-1" strike="noStrike">
-                <a:solidFill>
-                  <a:srgbClr val="d9d9d9"/>
-                </a:solidFill>
-                <a:latin typeface="Calibri"/>
-                <a:ea typeface="DejaVu Sans"/>
-              </a:rPr>
-              <a:t>Use v3.x for client-side dev in .net core 3.1</a:t>
-            </a:r>
-            <a:endParaRPr b="0" lang="en-GB" sz="2800" spc="-1" strike="noStrike">
-              <a:latin typeface="Arial"/>
-            </a:endParaRPr>
-          </a:p>
-          <a:p>
-            <a:pPr marL="228600" indent="-226440">
-              <a:lnSpc>
-                <a:spcPct val="90000"/>
-              </a:lnSpc>
-              <a:spcBef>
-                <a:spcPts val="1001"/>
-              </a:spcBef>
-              <a:buClr>
-                <a:srgbClr val="d9d9d9"/>
-              </a:buClr>
-              <a:buFont typeface="Arial"/>
-              <a:buChar char="•"/>
-            </a:pPr>
-            <a:r>
-              <a:rPr b="0" lang="en-GB" sz="2800" spc="-1" strike="noStrike">
-                <a:solidFill>
-                  <a:srgbClr val="d9d9d9"/>
-                </a:solidFill>
-                <a:latin typeface="Calibri"/>
-                <a:ea typeface="DejaVu Sans"/>
-              </a:rPr>
-              <a:t>The slides of this demo as well as the code samples, can be found here:</a:t>
-            </a:r>
-            <a:endParaRPr b="0" lang="en-GB" sz="2800" spc="-1" strike="noStrike">
-              <a:latin typeface="Arial"/>
-            </a:endParaRPr>
-          </a:p>
-          <a:p>
-            <a:pPr>
-              <a:lnSpc>
-                <a:spcPct val="90000"/>
-              </a:lnSpc>
-              <a:spcBef>
-                <a:spcPts val="1001"/>
-              </a:spcBef>
-            </a:pPr>
-            <a:endParaRPr b="0" lang="en-GB" sz="2800" spc="-1" strike="noStrike">
-              <a:latin typeface="Arial"/>
-            </a:endParaRPr>
-          </a:p>
-          <a:p>
-            <a:pPr>
-              <a:lnSpc>
-                <a:spcPct val="90000"/>
-              </a:lnSpc>
-              <a:spcBef>
-                <a:spcPts val="1001"/>
-              </a:spcBef>
-            </a:pPr>
-            <a:r>
-              <a:rPr b="0" lang="en-GB" sz="2800" spc="-1" strike="noStrike">
-                <a:solidFill>
-                  <a:srgbClr val="d9d9d9"/>
-                </a:solidFill>
-                <a:latin typeface="Calibri"/>
-                <a:ea typeface="DejaVu Sans"/>
-              </a:rPr>
-              <a:t>https://github.com/DynamicsValue/power-apps-bootcamp-2022-05</a:t>
-            </a:r>
-            <a:endParaRPr b="0" lang="en-GB" sz="2800" spc="-1" strike="noStrike">
-              <a:latin typeface="Arial"/>
-            </a:endParaRPr>
-          </a:p>
-          <a:p>
-            <a:pPr>
-              <a:lnSpc>
-                <a:spcPct val="90000"/>
-              </a:lnSpc>
-              <a:spcBef>
-                <a:spcPts val="1001"/>
-              </a:spcBef>
-            </a:pPr>
+              <a:t>Plugin Step Sequence</a:t>
+            </a:r>
             <a:endParaRPr b="0" lang="en-GB" sz="2800" spc="-1" strike="noStrike">
               <a:latin typeface="Arial"/>
             </a:endParaRPr>
@@ -7908,14 +8752,14 @@
       </p:sp>
       <p:sp>
         <p:nvSpPr>
-          <p:cNvPr id="169" name="CustomShape 5"/>
-          <p:cNvSpPr/>
+          <p:cNvPr id="176" name="TextShape 8"/>
+          <p:cNvSpPr txBox="1"/>
           <p:nvPr/>
         </p:nvSpPr>
         <p:spPr>
           <a:xfrm>
-            <a:off x="7848000" y="6153840"/>
-            <a:ext cx="4104000" cy="461160"/>
+            <a:off x="648000" y="3960000"/>
+            <a:ext cx="11226600" cy="602640"/>
           </a:xfrm>
           <a:prstGeom prst="rect">
             <a:avLst/>
@@ -7925,104 +8769,27 @@
             <a:noFill/>
           </a:ln>
         </p:spPr>
-        <p:style>
-          <a:lnRef idx="0"/>
-          <a:fillRef idx="0"/>
-          <a:effectRef idx="0"/>
-          <a:fontRef idx="minor"/>
-        </p:style>
         <p:txBody>
           <a:bodyPr lIns="90000" rIns="90000" tIns="45000" bIns="45000"/>
           <a:p>
-            <a:pPr marL="228600" indent="-226440">
-              <a:lnSpc>
-                <a:spcPct val="90000"/>
-              </a:lnSpc>
-              <a:spcBef>
-                <a:spcPts val="1001"/>
-              </a:spcBef>
-              <a:buClr>
-                <a:srgbClr val="d9d9d9"/>
-              </a:buClr>
-              <a:buFont typeface="Arial"/>
-              <a:buChar char="•"/>
-            </a:pPr>
-            <a:r>
-              <a:rPr b="0" lang="en-GB" sz="2000" spc="-1" strike="noStrike">
-                <a:solidFill>
-                  <a:srgbClr val="d9d9d9"/>
-                </a:solidFill>
-                <a:latin typeface="Calibri"/>
-                <a:ea typeface="DejaVu Sans"/>
-              </a:rPr>
-              <a:t>https://dynamicsvalue.com</a:t>
-            </a:r>
-            <a:endParaRPr b="0" lang="en-GB" sz="2000" spc="-1" strike="noStrike">
-              <a:latin typeface="Arial"/>
-            </a:endParaRPr>
-          </a:p>
-          <a:p>
-            <a:pPr>
-              <a:lnSpc>
-                <a:spcPct val="90000"/>
-              </a:lnSpc>
-              <a:spcBef>
-                <a:spcPts val="1001"/>
-              </a:spcBef>
-            </a:pPr>
-            <a:endParaRPr b="0" lang="en-GB" sz="2000" spc="-1" strike="noStrike">
-              <a:latin typeface="Arial"/>
-            </a:endParaRPr>
-          </a:p>
-          <a:p>
-            <a:pPr>
-              <a:lnSpc>
-                <a:spcPct val="90000"/>
-              </a:lnSpc>
-              <a:spcBef>
-                <a:spcPts val="1001"/>
-              </a:spcBef>
-            </a:pPr>
-            <a:endParaRPr b="0" lang="en-GB" sz="2000" spc="-1" strike="noStrike">
-              <a:latin typeface="Arial"/>
-            </a:endParaRPr>
-          </a:p>
-          <a:p>
-            <a:pPr>
-              <a:lnSpc>
-                <a:spcPct val="90000"/>
-              </a:lnSpc>
-              <a:spcBef>
-                <a:spcPts val="1001"/>
-              </a:spcBef>
-            </a:pPr>
-            <a:endParaRPr b="0" lang="en-GB" sz="2000" spc="-1" strike="noStrike">
-              <a:latin typeface="Arial"/>
-            </a:endParaRPr>
-          </a:p>
-          <a:p>
-            <a:pPr>
-              <a:lnSpc>
-                <a:spcPct val="90000"/>
-              </a:lnSpc>
-              <a:spcBef>
-                <a:spcPts val="1001"/>
-              </a:spcBef>
-            </a:pPr>
-            <a:endParaRPr b="0" lang="en-GB" sz="2000" spc="-1" strike="noStrike">
-              <a:latin typeface="Arial"/>
-            </a:endParaRPr>
-          </a:p>
-          <a:p>
-            <a:pPr>
-              <a:lnSpc>
-                <a:spcPct val="90000"/>
-              </a:lnSpc>
-              <a:spcBef>
-                <a:spcPts val="1001"/>
-              </a:spcBef>
-            </a:pPr>
-            <a:endParaRPr b="0" lang="en-GB" sz="2000" spc="-1" strike="noStrike">
+            <a:r>
+              <a:rPr b="0" lang="en-GB" sz="1800" spc="-1" strike="noStrike">
+                <a:latin typeface="Arial"/>
+              </a:rPr>
+              <a:t>_context.RegisterPluginStep&lt;FollowupPlugin2&gt;(requestName, stage, mode, rank: 2);</a:t>
+            </a:r>
+            <a:endParaRPr b="0" lang="en-GB" sz="1800" spc="-1" strike="noStrike">
+              <a:latin typeface="Arial"/>
+            </a:endParaRPr>
+          </a:p>
+          <a:p>
+            <a:r>
+              <a:rPr b="0" lang="en-GB" sz="1800" spc="-1" strike="noStrike">
+                <a:latin typeface="Arial"/>
+              </a:rPr>
+              <a:t>_context.RegisterPluginStep&lt;FollowupPlugin&gt;(requestName, stage, mode, rank: 1);</a:t>
+            </a:r>
+            <a:endParaRPr b="0" lang="en-GB" sz="1800" spc="-1" strike="noStrike">
               <a:latin typeface="Arial"/>
             </a:endParaRPr>
           </a:p>
@@ -8079,7 +8846,7 @@
       </p:grpSpPr>
       <p:pic>
         <p:nvPicPr>
-          <p:cNvPr id="170" name="Picture 3" descr=""/>
+          <p:cNvPr id="177" name="Picture 3" descr=""/>
           <p:cNvPicPr/>
           <p:nvPr/>
         </p:nvPicPr>
@@ -8102,14 +8869,14 @@
       </p:pic>
       <p:sp>
         <p:nvSpPr>
-          <p:cNvPr id="171" name="CustomShape 1"/>
+          <p:cNvPr id="178" name="CustomShape 1"/>
           <p:cNvSpPr/>
           <p:nvPr/>
         </p:nvSpPr>
         <p:spPr>
           <a:xfrm>
-            <a:off x="2207880" y="2766240"/>
-            <a:ext cx="7774200" cy="1323360"/>
+            <a:off x="838080" y="365040"/>
+            <a:ext cx="10513440" cy="1323360"/>
           </a:xfrm>
           <a:prstGeom prst="rect">
             <a:avLst/>
@@ -8128,7 +8895,7 @@
         <p:txBody>
           <a:bodyPr lIns="90000" rIns="90000" tIns="45000" bIns="45000" anchor="ctr"/>
           <a:p>
-            <a:pPr algn="ctr">
+            <a:pPr>
               <a:lnSpc>
                 <a:spcPct val="90000"/>
               </a:lnSpc>
@@ -8141,54 +8908,239 @@
                 <a:latin typeface="Calibri Light"/>
                 <a:ea typeface="DejaVu Sans"/>
               </a:rPr>
-              <a:t>Thanks for your time …</a:t>
+              <a:t>Pipeline enhancements</a:t>
             </a:r>
             <a:endParaRPr b="0" lang="en-GB" sz="4400" spc="-1" strike="noStrike">
               <a:latin typeface="Arial"/>
             </a:endParaRPr>
           </a:p>
-          <a:p>
-            <a:pPr algn="ctr">
-              <a:lnSpc>
-                <a:spcPct val="90000"/>
-              </a:lnSpc>
-            </a:pPr>
-            <a:endParaRPr b="0" lang="en-GB" sz="4400" spc="-1" strike="noStrike">
-              <a:latin typeface="Arial"/>
-            </a:endParaRPr>
-          </a:p>
-          <a:p>
-            <a:pPr algn="ctr">
-              <a:lnSpc>
-                <a:spcPct val="90000"/>
-              </a:lnSpc>
-            </a:pPr>
-            <a:r>
-              <a:rPr b="0" lang="en-GB" sz="4400" spc="-1" strike="noStrike">
-                <a:solidFill>
-                  <a:srgbClr val="f2f2f2"/>
-                </a:solidFill>
-                <a:latin typeface="Calibri Light"/>
-                <a:ea typeface="DejaVu Sans"/>
-              </a:rPr>
-              <a:t>¿any questions?</a:t>
-            </a:r>
-            <a:endParaRPr b="0" lang="en-GB" sz="4400" spc="-1" strike="noStrike">
-              <a:latin typeface="Arial"/>
-            </a:endParaRPr>
-          </a:p>
         </p:txBody>
       </p:sp>
       <p:sp>
         <p:nvSpPr>
-          <p:cNvPr id="172" name="CustomShape 2"/>
+          <p:cNvPr id="179" name="CustomShape 2"/>
           <p:cNvSpPr/>
           <p:nvPr/>
         </p:nvSpPr>
         <p:spPr>
           <a:xfrm>
-            <a:off x="838080" y="1825560"/>
-            <a:ext cx="10513440" cy="4349160"/>
+            <a:off x="838080" y="1681560"/>
+            <a:ext cx="7513920" cy="694440"/>
+          </a:xfrm>
+          <a:prstGeom prst="rect">
+            <a:avLst/>
+          </a:prstGeom>
+          <a:noFill/>
+          <a:ln>
+            <a:noFill/>
+          </a:ln>
+        </p:spPr>
+        <p:style>
+          <a:lnRef idx="0"/>
+          <a:fillRef idx="0"/>
+          <a:effectRef idx="0"/>
+          <a:fontRef idx="minor"/>
+        </p:style>
+        <p:txBody>
+          <a:bodyPr lIns="90000" rIns="90000" tIns="45000" bIns="45000">
+            <a:normAutofit/>
+          </a:bodyPr>
+          <a:p>
+            <a:pPr marL="228600" indent="-226440">
+              <a:lnSpc>
+                <a:spcPct val="90000"/>
+              </a:lnSpc>
+              <a:spcBef>
+                <a:spcPts val="1001"/>
+              </a:spcBef>
+              <a:buClr>
+                <a:srgbClr val="d9d9d9"/>
+              </a:buClr>
+              <a:buFont typeface="Arial"/>
+              <a:buChar char="•"/>
+            </a:pPr>
+            <a:r>
+              <a:rPr b="0" lang="en-GB" sz="2800" spc="-1" strike="noStrike">
+                <a:solidFill>
+                  <a:srgbClr val="d9d9d9"/>
+                </a:solidFill>
+                <a:latin typeface="Calibri"/>
+                <a:ea typeface="DejaVu Sans"/>
+              </a:rPr>
+              <a:t>Validation of Plugin Registrations</a:t>
+            </a:r>
+            <a:endParaRPr b="0" lang="en-GB" sz="2800" spc="-1" strike="noStrike">
+              <a:latin typeface="Arial"/>
+            </a:endParaRPr>
+          </a:p>
+          <a:p>
+            <a:pPr>
+              <a:lnSpc>
+                <a:spcPct val="90000"/>
+              </a:lnSpc>
+              <a:spcBef>
+                <a:spcPts val="1001"/>
+              </a:spcBef>
+            </a:pPr>
+            <a:endParaRPr b="0" lang="en-GB" sz="2800" spc="-1" strike="noStrike">
+              <a:latin typeface="Arial"/>
+            </a:endParaRPr>
+          </a:p>
+          <a:p>
+            <a:pPr>
+              <a:lnSpc>
+                <a:spcPct val="90000"/>
+              </a:lnSpc>
+              <a:spcBef>
+                <a:spcPts val="1001"/>
+              </a:spcBef>
+            </a:pPr>
+            <a:endParaRPr b="0" lang="en-GB" sz="2800" spc="-1" strike="noStrike">
+              <a:latin typeface="Arial"/>
+            </a:endParaRPr>
+          </a:p>
+          <a:p>
+            <a:pPr>
+              <a:lnSpc>
+                <a:spcPct val="90000"/>
+              </a:lnSpc>
+              <a:spcBef>
+                <a:spcPts val="1001"/>
+              </a:spcBef>
+            </a:pPr>
+            <a:endParaRPr b="0" lang="en-GB" sz="2800" spc="-1" strike="noStrike">
+              <a:latin typeface="Arial"/>
+            </a:endParaRPr>
+          </a:p>
+          <a:p>
+            <a:pPr>
+              <a:lnSpc>
+                <a:spcPct val="90000"/>
+              </a:lnSpc>
+              <a:spcBef>
+                <a:spcPts val="1001"/>
+              </a:spcBef>
+            </a:pPr>
+            <a:endParaRPr b="0" lang="en-GB" sz="2800" spc="-1" strike="noStrike">
+              <a:latin typeface="Arial"/>
+            </a:endParaRPr>
+          </a:p>
+          <a:p>
+            <a:pPr>
+              <a:lnSpc>
+                <a:spcPct val="90000"/>
+              </a:lnSpc>
+              <a:spcBef>
+                <a:spcPts val="1001"/>
+              </a:spcBef>
+            </a:pPr>
+            <a:endParaRPr b="0" lang="en-GB" sz="2800" spc="-1" strike="noStrike">
+              <a:latin typeface="Arial"/>
+            </a:endParaRPr>
+          </a:p>
+          <a:p>
+            <a:pPr>
+              <a:lnSpc>
+                <a:spcPct val="90000"/>
+              </a:lnSpc>
+              <a:spcBef>
+                <a:spcPts val="1001"/>
+              </a:spcBef>
+            </a:pPr>
+            <a:endParaRPr b="0" lang="en-GB" sz="2800" spc="-1" strike="noStrike">
+              <a:latin typeface="Arial"/>
+            </a:endParaRPr>
+          </a:p>
+          <a:p>
+            <a:pPr>
+              <a:lnSpc>
+                <a:spcPct val="90000"/>
+              </a:lnSpc>
+              <a:spcBef>
+                <a:spcPts val="499"/>
+              </a:spcBef>
+            </a:pPr>
+            <a:endParaRPr b="0" lang="en-GB" sz="2800" spc="-1" strike="noStrike">
+              <a:latin typeface="Arial"/>
+            </a:endParaRPr>
+          </a:p>
+          <a:p>
+            <a:pPr>
+              <a:lnSpc>
+                <a:spcPct val="90000"/>
+              </a:lnSpc>
+              <a:spcBef>
+                <a:spcPts val="1001"/>
+              </a:spcBef>
+            </a:pPr>
+            <a:endParaRPr b="0" lang="en-GB" sz="2800" spc="-1" strike="noStrike">
+              <a:latin typeface="Arial"/>
+            </a:endParaRPr>
+          </a:p>
+          <a:p>
+            <a:pPr>
+              <a:lnSpc>
+                <a:spcPct val="90000"/>
+              </a:lnSpc>
+              <a:spcBef>
+                <a:spcPts val="1001"/>
+              </a:spcBef>
+            </a:pPr>
+            <a:endParaRPr b="0" lang="en-GB" sz="2800" spc="-1" strike="noStrike">
+              <a:latin typeface="Arial"/>
+            </a:endParaRPr>
+          </a:p>
+          <a:p>
+            <a:pPr>
+              <a:lnSpc>
+                <a:spcPct val="90000"/>
+              </a:lnSpc>
+              <a:spcBef>
+                <a:spcPts val="1001"/>
+              </a:spcBef>
+            </a:pPr>
+            <a:endParaRPr b="0" lang="en-GB" sz="2800" spc="-1" strike="noStrike">
+              <a:latin typeface="Arial"/>
+            </a:endParaRPr>
+          </a:p>
+        </p:txBody>
+      </p:sp>
+      <p:sp>
+        <p:nvSpPr>
+          <p:cNvPr id="180" name="CustomShape 3"/>
+          <p:cNvSpPr/>
+          <p:nvPr/>
+        </p:nvSpPr>
+        <p:spPr>
+          <a:xfrm>
+            <a:off x="7720560" y="6153840"/>
+            <a:ext cx="4288680" cy="513360"/>
+          </a:xfrm>
+          <a:prstGeom prst="rect">
+            <a:avLst/>
+          </a:prstGeom>
+          <a:noFill/>
+          <a:ln>
+            <a:noFill/>
+          </a:ln>
+        </p:spPr>
+        <p:style>
+          <a:lnRef idx="0"/>
+          <a:fillRef idx="0"/>
+          <a:effectRef idx="0"/>
+          <a:fontRef idx="minor"/>
+        </p:style>
+      </p:sp>
+      <p:sp>
+        <p:nvSpPr>
+          <p:cNvPr id="181" name="CustomShape 4"/>
+          <p:cNvSpPr/>
+          <p:nvPr/>
+        </p:nvSpPr>
+        <p:spPr>
+          <a:xfrm>
+            <a:off x="7848000" y="6153840"/>
+            <a:ext cx="4104000" cy="461160"/>
           </a:xfrm>
           <a:prstGeom prst="rect">
             <a:avLst/>
@@ -8207,28 +9159,95 @@
         <p:txBody>
           <a:bodyPr lIns="90000" rIns="90000" tIns="45000" bIns="45000"/>
           <a:p>
-            <a:pPr>
-              <a:lnSpc>
-                <a:spcPct val="90000"/>
-              </a:lnSpc>
-              <a:spcBef>
-                <a:spcPts val="1001"/>
-              </a:spcBef>
-            </a:pPr>
-            <a:endParaRPr b="0" lang="en-GB" sz="1800" spc="-1" strike="noStrike">
-              <a:latin typeface="Arial"/>
-            </a:endParaRPr>
-          </a:p>
-          <a:p>
-            <a:pPr>
-              <a:lnSpc>
-                <a:spcPct val="90000"/>
-              </a:lnSpc>
-              <a:spcBef>
-                <a:spcPts val="1001"/>
-              </a:spcBef>
-            </a:pPr>
-            <a:endParaRPr b="0" lang="en-GB" sz="1800" spc="-1" strike="noStrike">
+            <a:pPr marL="228600" indent="-226440">
+              <a:lnSpc>
+                <a:spcPct val="90000"/>
+              </a:lnSpc>
+              <a:spcBef>
+                <a:spcPts val="1001"/>
+              </a:spcBef>
+              <a:buClr>
+                <a:srgbClr val="d9d9d9"/>
+              </a:buClr>
+              <a:buFont typeface="Arial"/>
+              <a:buChar char="•"/>
+            </a:pPr>
+            <a:r>
+              <a:rPr b="0" lang="en-GB" sz="2000" spc="-1" strike="noStrike">
+                <a:solidFill>
+                  <a:srgbClr val="d9d9d9"/>
+                </a:solidFill>
+                <a:latin typeface="Calibri"/>
+                <a:ea typeface="DejaVu Sans"/>
+              </a:rPr>
+              <a:t>https://dynamicsvalue.com</a:t>
+            </a:r>
+            <a:endParaRPr b="0" lang="en-GB" sz="2000" spc="-1" strike="noStrike">
+              <a:latin typeface="Arial"/>
+            </a:endParaRPr>
+          </a:p>
+          <a:p>
+            <a:pPr>
+              <a:lnSpc>
+                <a:spcPct val="90000"/>
+              </a:lnSpc>
+              <a:spcBef>
+                <a:spcPts val="1001"/>
+              </a:spcBef>
+            </a:pPr>
+            <a:endParaRPr b="0" lang="en-GB" sz="2000" spc="-1" strike="noStrike">
+              <a:latin typeface="Arial"/>
+            </a:endParaRPr>
+          </a:p>
+          <a:p>
+            <a:pPr>
+              <a:lnSpc>
+                <a:spcPct val="90000"/>
+              </a:lnSpc>
+              <a:spcBef>
+                <a:spcPts val="1001"/>
+              </a:spcBef>
+            </a:pPr>
+            <a:endParaRPr b="0" lang="en-GB" sz="2000" spc="-1" strike="noStrike">
+              <a:latin typeface="Arial"/>
+            </a:endParaRPr>
+          </a:p>
+          <a:p>
+            <a:pPr>
+              <a:lnSpc>
+                <a:spcPct val="90000"/>
+              </a:lnSpc>
+              <a:spcBef>
+                <a:spcPts val="1001"/>
+              </a:spcBef>
+            </a:pPr>
+            <a:endParaRPr b="0" lang="en-GB" sz="2000" spc="-1" strike="noStrike">
+              <a:latin typeface="Arial"/>
+            </a:endParaRPr>
+          </a:p>
+          <a:p>
+            <a:pPr>
+              <a:lnSpc>
+                <a:spcPct val="90000"/>
+              </a:lnSpc>
+              <a:spcBef>
+                <a:spcPts val="1001"/>
+              </a:spcBef>
+            </a:pPr>
+            <a:endParaRPr b="0" lang="en-GB" sz="2000" spc="-1" strike="noStrike">
+              <a:latin typeface="Arial"/>
+            </a:endParaRPr>
+          </a:p>
+          <a:p>
+            <a:pPr>
+              <a:lnSpc>
+                <a:spcPct val="90000"/>
+              </a:lnSpc>
+              <a:spcBef>
+                <a:spcPts val="1001"/>
+              </a:spcBef>
+            </a:pPr>
+            <a:endParaRPr b="0" lang="en-GB" sz="2000" spc="-1" strike="noStrike">
               <a:latin typeface="Arial"/>
             </a:endParaRPr>
           </a:p>
@@ -8236,14 +9255,14 @@
       </p:sp>
       <p:sp>
         <p:nvSpPr>
-          <p:cNvPr id="173" name="CustomShape 3"/>
-          <p:cNvSpPr/>
+          <p:cNvPr id="182" name="TextShape 5"/>
+          <p:cNvSpPr txBox="1"/>
           <p:nvPr/>
         </p:nvSpPr>
         <p:spPr>
           <a:xfrm>
-            <a:off x="7720560" y="6153840"/>
-            <a:ext cx="4288680" cy="513360"/>
+            <a:off x="653400" y="2278440"/>
+            <a:ext cx="11226600" cy="689760"/>
           </a:xfrm>
           <a:prstGeom prst="rect">
             <a:avLst/>
@@ -8253,23 +9272,53 @@
             <a:noFill/>
           </a:ln>
         </p:spPr>
-        <p:style>
-          <a:lnRef idx="0"/>
-          <a:fillRef idx="0"/>
-          <a:effectRef idx="0"/>
-          <a:fontRef idx="minor"/>
-        </p:style>
-      </p:sp>
-      <p:sp>
-        <p:nvSpPr>
-          <p:cNvPr id="174" name="CustomShape 4"/>
+        <p:txBody>
+          <a:bodyPr lIns="90000" rIns="90000" tIns="45000" bIns="45000"/>
+          <a:p>
+            <a:r>
+              <a:rPr b="0" lang="en-GB" sz="1400" spc="-1" strike="noStrike">
+                <a:latin typeface="Arial"/>
+              </a:rPr>
+              <a:t>- Upsert only supported for some OOB messages.</a:t>
+            </a:r>
+            <a:endParaRPr b="0" lang="en-GB" sz="1400" spc="-1" strike="noStrike">
+              <a:latin typeface="Arial"/>
+            </a:endParaRPr>
+          </a:p>
+          <a:p>
+            <a:r>
+              <a:rPr b="0" lang="en-GB" sz="1400" spc="-1" strike="noStrike">
+                <a:latin typeface="Arial"/>
+              </a:rPr>
+              <a:t>- Some messages available to some entities</a:t>
+            </a:r>
+            <a:endParaRPr b="0" lang="en-GB" sz="1400" spc="-1" strike="noStrike">
+              <a:latin typeface="Arial"/>
+            </a:endParaRPr>
+          </a:p>
+          <a:p>
+            <a:r>
+              <a:rPr b="0" lang="en-GB" sz="1400" spc="-1" strike="noStrike">
+                <a:latin typeface="Arial"/>
+              </a:rPr>
+              <a:t>- Combinations of Create/Update/Delete and Pre/Post and Pre/Post images</a:t>
+            </a:r>
+            <a:endParaRPr b="0" lang="en-GB" sz="1400" spc="-1" strike="noStrike">
+              <a:latin typeface="Arial"/>
+            </a:endParaRPr>
+          </a:p>
+        </p:txBody>
+      </p:sp>
+      <p:sp>
+        <p:nvSpPr>
+          <p:cNvPr id="183" name="CustomShape 6"/>
           <p:cNvSpPr/>
           <p:nvPr/>
         </p:nvSpPr>
         <p:spPr>
           <a:xfrm>
-            <a:off x="7848000" y="6153840"/>
-            <a:ext cx="4104000" cy="461160"/>
+            <a:off x="767160" y="3265560"/>
+            <a:ext cx="6792840" cy="694440"/>
           </a:xfrm>
           <a:prstGeom prst="rect">
             <a:avLst/>
@@ -8286,7 +9335,9 @@
           <a:fontRef idx="minor"/>
         </p:style>
         <p:txBody>
-          <a:bodyPr lIns="90000" rIns="90000" tIns="45000" bIns="45000"/>
+          <a:bodyPr lIns="90000" rIns="90000" tIns="45000" bIns="45000">
+            <a:normAutofit/>
+          </a:bodyPr>
           <a:p>
             <a:pPr marL="228600" indent="-226440">
               <a:lnSpc>
@@ -8302,81 +9353,261 @@
               <a:buChar char="•"/>
             </a:pPr>
             <a:r>
-              <a:rPr b="0" lang="en-GB" sz="2000" spc="-1" strike="noStrike">
+              <a:rPr b="0" lang="en-GB" sz="2800" spc="-1" strike="noStrike">
                 <a:solidFill>
                   <a:srgbClr val="d9d9d9"/>
                 </a:solidFill>
                 <a:latin typeface="Calibri"/>
                 <a:ea typeface="DejaVu Sans"/>
               </a:rPr>
-              <a:t>https://dynamicsvalue.com</a:t>
-            </a:r>
-            <a:endParaRPr b="0" lang="en-GB" sz="2000" spc="-1" strike="noStrike">
-              <a:latin typeface="Arial"/>
-            </a:endParaRPr>
-          </a:p>
-          <a:p>
-            <a:pPr>
-              <a:lnSpc>
-                <a:spcPct val="90000"/>
-              </a:lnSpc>
-              <a:spcBef>
-                <a:spcPts val="1001"/>
-              </a:spcBef>
-            </a:pPr>
-            <a:endParaRPr b="0" lang="en-GB" sz="2000" spc="-1" strike="noStrike">
-              <a:latin typeface="Arial"/>
-            </a:endParaRPr>
-          </a:p>
-          <a:p>
-            <a:pPr>
-              <a:lnSpc>
-                <a:spcPct val="90000"/>
-              </a:lnSpc>
-              <a:spcBef>
-                <a:spcPts val="1001"/>
-              </a:spcBef>
-            </a:pPr>
-            <a:endParaRPr b="0" lang="en-GB" sz="2000" spc="-1" strike="noStrike">
-              <a:latin typeface="Arial"/>
-            </a:endParaRPr>
-          </a:p>
-          <a:p>
-            <a:pPr>
-              <a:lnSpc>
-                <a:spcPct val="90000"/>
-              </a:lnSpc>
-              <a:spcBef>
-                <a:spcPts val="1001"/>
-              </a:spcBef>
-            </a:pPr>
-            <a:endParaRPr b="0" lang="en-GB" sz="2000" spc="-1" strike="noStrike">
-              <a:latin typeface="Arial"/>
-            </a:endParaRPr>
-          </a:p>
-          <a:p>
-            <a:pPr>
-              <a:lnSpc>
-                <a:spcPct val="90000"/>
-              </a:lnSpc>
-              <a:spcBef>
-                <a:spcPts val="1001"/>
-              </a:spcBef>
-            </a:pPr>
-            <a:endParaRPr b="0" lang="en-GB" sz="2000" spc="-1" strike="noStrike">
-              <a:latin typeface="Arial"/>
-            </a:endParaRPr>
-          </a:p>
-          <a:p>
-            <a:pPr>
-              <a:lnSpc>
-                <a:spcPct val="90000"/>
-              </a:lnSpc>
-              <a:spcBef>
-                <a:spcPts val="1001"/>
-              </a:spcBef>
-            </a:pPr>
-            <a:endParaRPr b="0" lang="en-GB" sz="2000" spc="-1" strike="noStrike">
+              <a:t>Plugin Step Auditing</a:t>
+            </a:r>
+            <a:endParaRPr b="0" lang="en-GB" sz="2800" spc="-1" strike="noStrike">
+              <a:latin typeface="Arial"/>
+            </a:endParaRPr>
+          </a:p>
+          <a:p>
+            <a:pPr>
+              <a:lnSpc>
+                <a:spcPct val="90000"/>
+              </a:lnSpc>
+              <a:spcBef>
+                <a:spcPts val="1001"/>
+              </a:spcBef>
+            </a:pPr>
+            <a:endParaRPr b="0" lang="en-GB" sz="2800" spc="-1" strike="noStrike">
+              <a:latin typeface="Arial"/>
+            </a:endParaRPr>
+          </a:p>
+          <a:p>
+            <a:pPr>
+              <a:lnSpc>
+                <a:spcPct val="90000"/>
+              </a:lnSpc>
+              <a:spcBef>
+                <a:spcPts val="1001"/>
+              </a:spcBef>
+            </a:pPr>
+            <a:endParaRPr b="0" lang="en-GB" sz="2800" spc="-1" strike="noStrike">
+              <a:latin typeface="Arial"/>
+            </a:endParaRPr>
+          </a:p>
+          <a:p>
+            <a:pPr>
+              <a:lnSpc>
+                <a:spcPct val="90000"/>
+              </a:lnSpc>
+              <a:spcBef>
+                <a:spcPts val="1001"/>
+              </a:spcBef>
+            </a:pPr>
+            <a:endParaRPr b="0" lang="en-GB" sz="2800" spc="-1" strike="noStrike">
+              <a:latin typeface="Arial"/>
+            </a:endParaRPr>
+          </a:p>
+          <a:p>
+            <a:pPr>
+              <a:lnSpc>
+                <a:spcPct val="90000"/>
+              </a:lnSpc>
+              <a:spcBef>
+                <a:spcPts val="1001"/>
+              </a:spcBef>
+            </a:pPr>
+            <a:endParaRPr b="0" lang="en-GB" sz="2800" spc="-1" strike="noStrike">
+              <a:latin typeface="Arial"/>
+            </a:endParaRPr>
+          </a:p>
+          <a:p>
+            <a:pPr>
+              <a:lnSpc>
+                <a:spcPct val="90000"/>
+              </a:lnSpc>
+              <a:spcBef>
+                <a:spcPts val="1001"/>
+              </a:spcBef>
+            </a:pPr>
+            <a:endParaRPr b="0" lang="en-GB" sz="2800" spc="-1" strike="noStrike">
+              <a:latin typeface="Arial"/>
+            </a:endParaRPr>
+          </a:p>
+          <a:p>
+            <a:pPr>
+              <a:lnSpc>
+                <a:spcPct val="90000"/>
+              </a:lnSpc>
+              <a:spcBef>
+                <a:spcPts val="1001"/>
+              </a:spcBef>
+            </a:pPr>
+            <a:endParaRPr b="0" lang="en-GB" sz="2800" spc="-1" strike="noStrike">
+              <a:latin typeface="Arial"/>
+            </a:endParaRPr>
+          </a:p>
+          <a:p>
+            <a:pPr>
+              <a:lnSpc>
+                <a:spcPct val="90000"/>
+              </a:lnSpc>
+              <a:spcBef>
+                <a:spcPts val="499"/>
+              </a:spcBef>
+            </a:pPr>
+            <a:endParaRPr b="0" lang="en-GB" sz="2800" spc="-1" strike="noStrike">
+              <a:latin typeface="Arial"/>
+            </a:endParaRPr>
+          </a:p>
+          <a:p>
+            <a:pPr>
+              <a:lnSpc>
+                <a:spcPct val="90000"/>
+              </a:lnSpc>
+              <a:spcBef>
+                <a:spcPts val="1001"/>
+              </a:spcBef>
+            </a:pPr>
+            <a:endParaRPr b="0" lang="en-GB" sz="2800" spc="-1" strike="noStrike">
+              <a:latin typeface="Arial"/>
+            </a:endParaRPr>
+          </a:p>
+          <a:p>
+            <a:pPr>
+              <a:lnSpc>
+                <a:spcPct val="90000"/>
+              </a:lnSpc>
+              <a:spcBef>
+                <a:spcPts val="1001"/>
+              </a:spcBef>
+            </a:pPr>
+            <a:endParaRPr b="0" lang="en-GB" sz="2800" spc="-1" strike="noStrike">
+              <a:latin typeface="Arial"/>
+            </a:endParaRPr>
+          </a:p>
+          <a:p>
+            <a:pPr>
+              <a:lnSpc>
+                <a:spcPct val="90000"/>
+              </a:lnSpc>
+              <a:spcBef>
+                <a:spcPts val="1001"/>
+              </a:spcBef>
+            </a:pPr>
+            <a:endParaRPr b="0" lang="en-GB" sz="2800" spc="-1" strike="noStrike">
+              <a:latin typeface="Arial"/>
+            </a:endParaRPr>
+          </a:p>
+        </p:txBody>
+      </p:sp>
+      <p:sp>
+        <p:nvSpPr>
+          <p:cNvPr id="184" name="TextShape 7"/>
+          <p:cNvSpPr txBox="1"/>
+          <p:nvPr/>
+        </p:nvSpPr>
+        <p:spPr>
+          <a:xfrm>
+            <a:off x="864000" y="3815640"/>
+            <a:ext cx="11226600" cy="2088360"/>
+          </a:xfrm>
+          <a:prstGeom prst="rect">
+            <a:avLst/>
+          </a:prstGeom>
+          <a:noFill/>
+          <a:ln>
+            <a:noFill/>
+          </a:ln>
+        </p:spPr>
+        <p:txBody>
+          <a:bodyPr lIns="90000" rIns="90000" tIns="45000" bIns="45000"/>
+          <a:p>
+            <a:r>
+              <a:rPr b="0" lang="en-GB" sz="1400" spc="-1" strike="noStrike">
+                <a:latin typeface="Arial"/>
+              </a:rPr>
+              <a:t>var pluginStepAudit = _context.GetPluginStepAudit();</a:t>
+            </a:r>
+            <a:endParaRPr b="0" lang="en-GB" sz="1400" spc="-1" strike="noStrike">
+              <a:latin typeface="Arial"/>
+            </a:endParaRPr>
+          </a:p>
+          <a:p>
+            <a:r>
+              <a:rPr b="0" lang="en-GB" sz="1400" spc="-1" strike="noStrike">
+                <a:latin typeface="Arial"/>
+              </a:rPr>
+              <a:t>var stepsAudit = pluginStepAudit.CreateQuery().ToList();</a:t>
+            </a:r>
+            <a:endParaRPr b="0" lang="en-GB" sz="1400" spc="-1" strike="noStrike">
+              <a:latin typeface="Arial"/>
+            </a:endParaRPr>
+          </a:p>
+          <a:p>
+            <a:endParaRPr b="0" lang="en-GB" sz="1400" spc="-1" strike="noStrike">
+              <a:latin typeface="Arial"/>
+            </a:endParaRPr>
+          </a:p>
+          <a:p>
+            <a:r>
+              <a:rPr b="0" lang="en-GB" sz="1400" spc="-1" strike="noStrike">
+                <a:latin typeface="Arial"/>
+              </a:rPr>
+              <a:t>Assert.Single(stepsAudit);</a:t>
+            </a:r>
+            <a:endParaRPr b="0" lang="en-GB" sz="1400" spc="-1" strike="noStrike">
+              <a:latin typeface="Arial"/>
+            </a:endParaRPr>
+          </a:p>
+          <a:p>
+            <a:endParaRPr b="0" lang="en-GB" sz="1400" spc="-1" strike="noStrike">
+              <a:latin typeface="Arial"/>
+            </a:endParaRPr>
+          </a:p>
+          <a:p>
+            <a:r>
+              <a:rPr b="0" lang="en-GB" sz="1400" spc="-1" strike="noStrike">
+                <a:latin typeface="Arial"/>
+              </a:rPr>
+              <a:t>var auditedStep = stepsAudit[0];</a:t>
+            </a:r>
+            <a:endParaRPr b="0" lang="en-GB" sz="1400" spc="-1" strike="noStrike">
+              <a:latin typeface="Arial"/>
+            </a:endParaRPr>
+          </a:p>
+          <a:p>
+            <a:endParaRPr b="0" lang="en-GB" sz="1400" spc="-1" strike="noStrike">
+              <a:latin typeface="Arial"/>
+            </a:endParaRPr>
+          </a:p>
+          <a:p>
+            <a:r>
+              <a:rPr b="0" lang="en-GB" sz="1400" spc="-1" strike="noStrike">
+                <a:latin typeface="Arial"/>
+              </a:rPr>
+              <a:t>Assert.Equal("Create", auditedStep.MessageName);</a:t>
+            </a:r>
+            <a:endParaRPr b="0" lang="en-GB" sz="1400" spc="-1" strike="noStrike">
+              <a:latin typeface="Arial"/>
+            </a:endParaRPr>
+          </a:p>
+          <a:p>
+            <a:r>
+              <a:rPr b="0" lang="en-GB" sz="1400" spc="-1" strike="noStrike">
+                <a:latin typeface="Arial"/>
+              </a:rPr>
+              <a:t>Assert.Equal(stage, auditedStep.Stage);</a:t>
+            </a:r>
+            <a:endParaRPr b="0" lang="en-GB" sz="1400" spc="-1" strike="noStrike">
+              <a:latin typeface="Arial"/>
+            </a:endParaRPr>
+          </a:p>
+          <a:p>
+            <a:r>
+              <a:rPr b="0" lang="en-GB" sz="1400" spc="-1" strike="noStrike">
+                <a:latin typeface="Arial"/>
+              </a:rPr>
+              <a:t>Assert.Equal(typeof(AccountNumberPlugin), auditedStep.PluginAssemblyType);</a:t>
+            </a:r>
+            <a:endParaRPr b="0" lang="en-GB" sz="1400" spc="-1" strike="noStrike">
               <a:latin typeface="Arial"/>
             </a:endParaRPr>
           </a:p>
@@ -8415,7 +9646,7 @@
 </file>
 
 <file path=ppt/slides/slide19.xml><?xml version="1.0" encoding="utf-8"?>
-<p:sld xmlns:a="http://schemas.openxmlformats.org/drawingml/2006/main" xmlns:p="http://schemas.openxmlformats.org/presentationml/2006/main" xmlns:r="http://schemas.openxmlformats.org/officeDocument/2006/relationships" xmlns:p14="http://schemas.microsoft.com/office/powerpoint/2010/main" xmlns:p15="http://schemas.microsoft.com/office/powerpoint/2012/main" xmlns:mc="http://schemas.openxmlformats.org/markup-compatibility/2006" show="0">
+<p:sld xmlns:a="http://schemas.openxmlformats.org/drawingml/2006/main" xmlns:p="http://schemas.openxmlformats.org/presentationml/2006/main" xmlns:r="http://schemas.openxmlformats.org/officeDocument/2006/relationships" xmlns:p14="http://schemas.microsoft.com/office/powerpoint/2010/main" xmlns:p15="http://schemas.microsoft.com/office/powerpoint/2012/main" xmlns:mc="http://schemas.openxmlformats.org/markup-compatibility/2006">
   <p:cSld>
     <p:spTree>
       <p:nvGrpSpPr>
@@ -8431,16 +9662,39 @@
           <a:chExt cx="0" cy="0"/>
         </a:xfrm>
       </p:grpSpPr>
-      <p:sp>
-        <p:nvSpPr>
-          <p:cNvPr id="175" name="CustomShape 1"/>
+      <p:pic>
+        <p:nvPicPr>
+          <p:cNvPr id="185" name="Picture 3" descr=""/>
+          <p:cNvPicPr/>
+          <p:nvPr/>
+        </p:nvPicPr>
+        <p:blipFill>
+          <a:blip r:embed="rId1"/>
+          <a:stretch/>
+        </p:blipFill>
+        <p:spPr>
+          <a:xfrm>
+            <a:off x="180360" y="6149160"/>
+            <a:ext cx="3294360" cy="523080"/>
+          </a:xfrm>
+          <a:prstGeom prst="rect">
+            <a:avLst/>
+          </a:prstGeom>
+          <a:ln>
+            <a:noFill/>
+          </a:ln>
+        </p:spPr>
+      </p:pic>
+      <p:sp>
+        <p:nvSpPr>
+          <p:cNvPr id="186" name="CustomShape 1"/>
           <p:cNvSpPr/>
           <p:nvPr/>
         </p:nvSpPr>
         <p:spPr>
           <a:xfrm>
-            <a:off x="1523880" y="1122480"/>
-            <a:ext cx="9141840" cy="2385360"/>
+            <a:off x="838080" y="365040"/>
+            <a:ext cx="10513440" cy="1323360"/>
           </a:xfrm>
           <a:prstGeom prst="rect">
             <a:avLst/>
@@ -8457,24 +9711,24 @@
           <a:fontRef idx="minor"/>
         </p:style>
         <p:txBody>
-          <a:bodyPr lIns="90000" rIns="90000" tIns="45000" bIns="45000" anchor="b"/>
-          <a:p>
-            <a:pPr algn="ctr">
-              <a:lnSpc>
-                <a:spcPct val="90000"/>
-              </a:lnSpc>
-            </a:pPr>
-            <a:r>
-              <a:rPr b="0" lang="en-GB" sz="6000" spc="-1" strike="noStrike">
+          <a:bodyPr lIns="90000" rIns="90000" tIns="45000" bIns="45000" anchor="ctr"/>
+          <a:p>
+            <a:pPr>
+              <a:lnSpc>
+                <a:spcPct val="90000"/>
+              </a:lnSpc>
+            </a:pPr>
+            <a:r>
+              <a:rPr b="0" lang="en-GB" sz="4400" spc="-1" strike="noStrike">
                 <a:solidFill>
-                  <a:srgbClr val="ffffff"/>
+                  <a:srgbClr val="f2f2f2"/>
                 </a:solidFill>
                 <a:latin typeface="Calibri Light"/>
                 <a:ea typeface="DejaVu Sans"/>
               </a:rPr>
-              <a:t>Main Title</a:t>
-            </a:r>
-            <a:endParaRPr b="0" lang="en-GB" sz="6000" spc="-1" strike="noStrike">
+              <a:t>DEMO: Scenario</a:t>
+            </a:r>
+            <a:endParaRPr b="0" lang="en-GB" sz="4400" spc="-1" strike="noStrike">
               <a:latin typeface="Arial"/>
             </a:endParaRPr>
           </a:p>
@@ -8482,20 +9736,50 @@
       </p:sp>
       <p:sp>
         <p:nvSpPr>
-          <p:cNvPr id="176" name="CustomShape 2"/>
+          <p:cNvPr id="187" name="CustomShape 2"/>
           <p:cNvSpPr/>
           <p:nvPr/>
         </p:nvSpPr>
         <p:spPr>
           <a:xfrm>
-            <a:off x="1523880" y="3602160"/>
-            <a:ext cx="9141840" cy="1653480"/>
+            <a:off x="7720560" y="6153840"/>
+            <a:ext cx="4288680" cy="513360"/>
           </a:xfrm>
           <a:prstGeom prst="rect">
             <a:avLst/>
           </a:prstGeom>
           <a:noFill/>
           <a:ln>
+            <a:noFill/>
+          </a:ln>
+        </p:spPr>
+        <p:style>
+          <a:lnRef idx="0"/>
+          <a:fillRef idx="0"/>
+          <a:effectRef idx="0"/>
+          <a:fontRef idx="minor"/>
+        </p:style>
+      </p:sp>
+      <p:sp>
+        <p:nvSpPr>
+          <p:cNvPr id="188" name="CustomShape 3"/>
+          <p:cNvSpPr/>
+          <p:nvPr/>
+        </p:nvSpPr>
+        <p:spPr>
+          <a:xfrm>
+            <a:off x="2945880" y="2592000"/>
+            <a:ext cx="3246120" cy="792000"/>
+          </a:xfrm>
+          <a:prstGeom prst="chevron">
+            <a:avLst>
+              <a:gd name="adj" fmla="val 50000"/>
+            </a:avLst>
+          </a:prstGeom>
+          <a:solidFill>
+            <a:srgbClr val="44a68a"/>
+          </a:solidFill>
+          <a:ln w="25560">
             <a:noFill/>
           </a:ln>
         </p:spPr>
@@ -8506,57 +9790,363 @@
           <a:fontRef idx="minor"/>
         </p:style>
         <p:txBody>
-          <a:bodyPr lIns="90000" rIns="90000" tIns="45000" bIns="45000">
-            <a:normAutofit/>
-          </a:bodyPr>
+          <a:bodyPr lIns="90000" rIns="90000" tIns="45000" bIns="45000" anchor="ctr"/>
           <a:p>
             <a:pPr algn="ctr">
               <a:lnSpc>
-                <a:spcPct val="90000"/>
-              </a:lnSpc>
-              <a:spcBef>
-                <a:spcPts val="1001"/>
-              </a:spcBef>
-            </a:pPr>
-            <a:r>
-              <a:rPr b="0" lang="en-GB" sz="3200" spc="-1" strike="noStrike">
+                <a:spcPct val="100000"/>
+              </a:lnSpc>
+            </a:pPr>
+            <a:r>
+              <a:rPr b="0" lang="en-GB" sz="1800" spc="-1" strike="noStrike">
                 <a:solidFill>
-                  <a:srgbClr val="bfbfbf"/>
+                  <a:srgbClr val="ffffff"/>
                 </a:solidFill>
                 <a:latin typeface="Calibri"/>
                 <a:ea typeface="DejaVu Sans"/>
               </a:rPr>
-              <a:t>Section</a:t>
-            </a:r>
-            <a:endParaRPr b="0" lang="en-GB" sz="3200" spc="-1" strike="noStrike">
+              <a:t>Az Function to Create Contact</a:t>
+            </a:r>
+            <a:endParaRPr b="0" lang="en-GB" sz="1800" spc="-1" strike="noStrike">
               <a:latin typeface="Arial"/>
             </a:endParaRPr>
           </a:p>
         </p:txBody>
       </p:sp>
-      <p:pic>
-        <p:nvPicPr>
-          <p:cNvPr id="177" name="Picture 8" descr=""/>
-          <p:cNvPicPr/>
+      <p:sp>
+        <p:nvSpPr>
+          <p:cNvPr id="189" name="CustomShape 4"/>
+          <p:cNvSpPr/>
           <p:nvPr/>
-        </p:nvPicPr>
-        <p:blipFill>
-          <a:blip r:embed="rId1"/>
-          <a:stretch/>
-        </p:blipFill>
-        <p:spPr>
-          <a:xfrm>
-            <a:off x="180360" y="6149160"/>
-            <a:ext cx="3294360" cy="523080"/>
-          </a:xfrm>
-          <a:prstGeom prst="rect">
-            <a:avLst/>
-          </a:prstGeom>
+        </p:nvSpPr>
+        <p:spPr>
+          <a:xfrm>
+            <a:off x="6120000" y="2592000"/>
+            <a:ext cx="2376000" cy="792000"/>
+          </a:xfrm>
+          <a:prstGeom prst="chevron">
+            <a:avLst>
+              <a:gd name="adj" fmla="val 50000"/>
+            </a:avLst>
+          </a:prstGeom>
+          <a:solidFill>
+            <a:srgbClr val="44a68a"/>
+          </a:solidFill>
+          <a:ln w="25560">
+            <a:noFill/>
+          </a:ln>
+        </p:spPr>
+        <p:style>
+          <a:lnRef idx="0"/>
+          <a:fillRef idx="0"/>
+          <a:effectRef idx="0"/>
+          <a:fontRef idx="minor"/>
+        </p:style>
+        <p:txBody>
+          <a:bodyPr lIns="90000" rIns="90000" tIns="45000" bIns="45000" anchor="ctr"/>
+          <a:p>
+            <a:pPr algn="ctr">
+              <a:lnSpc>
+                <a:spcPct val="100000"/>
+              </a:lnSpc>
+            </a:pPr>
+            <a:r>
+              <a:rPr b="0" lang="en-GB" sz="1800" spc="-1" strike="noStrike">
+                <a:solidFill>
+                  <a:srgbClr val="ffffff"/>
+                </a:solidFill>
+                <a:latin typeface="Calibri"/>
+                <a:ea typeface="DejaVu Sans"/>
+              </a:rPr>
+              <a:t>Dataverse (create)</a:t>
+            </a:r>
+            <a:endParaRPr b="0" lang="en-GB" sz="1800" spc="-1" strike="noStrike">
+              <a:latin typeface="Arial"/>
+            </a:endParaRPr>
+          </a:p>
+        </p:txBody>
+      </p:sp>
+      <p:sp>
+        <p:nvSpPr>
+          <p:cNvPr id="190" name="CustomShape 5"/>
+          <p:cNvSpPr/>
+          <p:nvPr/>
+        </p:nvSpPr>
+        <p:spPr>
+          <a:xfrm>
+            <a:off x="8424000" y="2592000"/>
+            <a:ext cx="2736000" cy="792000"/>
+          </a:xfrm>
+          <a:prstGeom prst="chevron">
+            <a:avLst>
+              <a:gd name="adj" fmla="val 50000"/>
+            </a:avLst>
+          </a:prstGeom>
+          <a:solidFill>
+            <a:srgbClr val="44a68a"/>
+          </a:solidFill>
+          <a:ln w="25560">
+            <a:noFill/>
+          </a:ln>
+        </p:spPr>
+        <p:style>
+          <a:lnRef idx="0"/>
+          <a:fillRef idx="0"/>
+          <a:effectRef idx="0"/>
+          <a:fontRef idx="minor"/>
+        </p:style>
+        <p:txBody>
+          <a:bodyPr lIns="90000" rIns="90000" tIns="45000" bIns="45000" anchor="ctr"/>
+          <a:p>
+            <a:pPr algn="ctr">
+              <a:lnSpc>
+                <a:spcPct val="100000"/>
+              </a:lnSpc>
+            </a:pPr>
+            <a:r>
+              <a:rPr b="0" lang="en-GB" sz="1800" spc="-1" strike="noStrike">
+                <a:solidFill>
+                  <a:srgbClr val="ffffff"/>
+                </a:solidFill>
+                <a:latin typeface="Calibri"/>
+                <a:ea typeface="DejaVu Sans"/>
+              </a:rPr>
+              <a:t>FollowUp Plugin (task)</a:t>
+            </a:r>
+            <a:endParaRPr b="0" lang="en-GB" sz="1800" spc="-1" strike="noStrike">
+              <a:latin typeface="Arial"/>
+            </a:endParaRPr>
+          </a:p>
+        </p:txBody>
+      </p:sp>
+      <p:sp>
+        <p:nvSpPr>
+          <p:cNvPr id="191" name="CustomShape 6"/>
+          <p:cNvSpPr/>
+          <p:nvPr/>
+        </p:nvSpPr>
+        <p:spPr>
+          <a:xfrm>
+            <a:off x="864000" y="2088000"/>
+            <a:ext cx="1944000" cy="792000"/>
+          </a:xfrm>
+          <a:prstGeom prst="chevron">
+            <a:avLst>
+              <a:gd name="adj" fmla="val 50000"/>
+            </a:avLst>
+          </a:prstGeom>
+          <a:solidFill>
+            <a:srgbClr val="44a68a"/>
+          </a:solidFill>
+          <a:ln w="25560">
+            <a:noFill/>
+          </a:ln>
+        </p:spPr>
+        <p:style>
+          <a:lnRef idx="0"/>
+          <a:fillRef idx="0"/>
+          <a:effectRef idx="0"/>
+          <a:fontRef idx="minor"/>
+        </p:style>
+        <p:txBody>
+          <a:bodyPr lIns="90000" rIns="90000" tIns="45000" bIns="45000" anchor="ctr"/>
+          <a:p>
+            <a:pPr algn="ctr">
+              <a:lnSpc>
+                <a:spcPct val="100000"/>
+              </a:lnSpc>
+            </a:pPr>
+            <a:r>
+              <a:rPr b="0" lang="en-GB" sz="1800" spc="-1" strike="noStrike">
+                <a:solidFill>
+                  <a:srgbClr val="ffffff"/>
+                </a:solidFill>
+                <a:latin typeface="Calibri"/>
+                <a:ea typeface="DejaVu Sans"/>
+              </a:rPr>
+              <a:t>Service bus</a:t>
+            </a:r>
+            <a:endParaRPr b="0" lang="en-GB" sz="1800" spc="-1" strike="noStrike">
+              <a:latin typeface="Arial"/>
+            </a:endParaRPr>
+          </a:p>
+        </p:txBody>
+      </p:sp>
+      <p:sp>
+        <p:nvSpPr>
+          <p:cNvPr id="192" name="CustomShape 7"/>
+          <p:cNvSpPr/>
+          <p:nvPr/>
+        </p:nvSpPr>
+        <p:spPr>
+          <a:xfrm>
+            <a:off x="864000" y="3168000"/>
+            <a:ext cx="1944000" cy="792000"/>
+          </a:xfrm>
+          <a:prstGeom prst="chevron">
+            <a:avLst>
+              <a:gd name="adj" fmla="val 50000"/>
+            </a:avLst>
+          </a:prstGeom>
+          <a:solidFill>
+            <a:srgbClr val="44a68a"/>
+          </a:solidFill>
+          <a:ln w="25560">
+            <a:noFill/>
+          </a:ln>
+        </p:spPr>
+        <p:style>
+          <a:lnRef idx="0"/>
+          <a:fillRef idx="0"/>
+          <a:effectRef idx="0"/>
+          <a:fontRef idx="minor"/>
+        </p:style>
+        <p:txBody>
+          <a:bodyPr lIns="90000" rIns="90000" tIns="45000" bIns="45000" anchor="ctr"/>
+          <a:p>
+            <a:pPr algn="ctr">
+              <a:lnSpc>
+                <a:spcPct val="100000"/>
+              </a:lnSpc>
+            </a:pPr>
+            <a:r>
+              <a:rPr b="0" lang="en-GB" sz="1800" spc="-1" strike="noStrike">
+                <a:solidFill>
+                  <a:srgbClr val="ffffff"/>
+                </a:solidFill>
+                <a:latin typeface="Calibri"/>
+                <a:ea typeface="DejaVu Sans"/>
+              </a:rPr>
+              <a:t>http</a:t>
+            </a:r>
+            <a:endParaRPr b="0" lang="en-GB" sz="1800" spc="-1" strike="noStrike">
+              <a:latin typeface="Arial"/>
+            </a:endParaRPr>
+          </a:p>
+        </p:txBody>
+      </p:sp>
+      <p:sp>
+        <p:nvSpPr>
+          <p:cNvPr id="193" name="CustomShape 8"/>
+          <p:cNvSpPr/>
+          <p:nvPr/>
+        </p:nvSpPr>
+        <p:spPr>
+          <a:xfrm>
+            <a:off x="7848000" y="6153840"/>
+            <a:ext cx="4104000" cy="461160"/>
+          </a:xfrm>
+          <a:prstGeom prst="rect">
+            <a:avLst/>
+          </a:prstGeom>
+          <a:noFill/>
           <a:ln>
             <a:noFill/>
           </a:ln>
         </p:spPr>
-      </p:pic>
+        <p:style>
+          <a:lnRef idx="0"/>
+          <a:fillRef idx="0"/>
+          <a:effectRef idx="0"/>
+          <a:fontRef idx="minor"/>
+        </p:style>
+        <p:txBody>
+          <a:bodyPr lIns="90000" rIns="90000" tIns="45000" bIns="45000"/>
+          <a:p>
+            <a:pPr marL="228600" indent="-226440">
+              <a:lnSpc>
+                <a:spcPct val="90000"/>
+              </a:lnSpc>
+              <a:spcBef>
+                <a:spcPts val="1001"/>
+              </a:spcBef>
+              <a:buClr>
+                <a:srgbClr val="d9d9d9"/>
+              </a:buClr>
+              <a:buFont typeface="Arial"/>
+              <a:buChar char="•"/>
+            </a:pPr>
+            <a:r>
+              <a:rPr b="0" lang="en-GB" sz="2000" spc="-1" strike="noStrike">
+                <a:solidFill>
+                  <a:srgbClr val="d9d9d9"/>
+                </a:solidFill>
+                <a:latin typeface="Calibri"/>
+                <a:ea typeface="DejaVu Sans"/>
+              </a:rPr>
+              <a:t>https://dynamicsvalue.com</a:t>
+            </a:r>
+            <a:endParaRPr b="0" lang="en-GB" sz="2000" spc="-1" strike="noStrike">
+              <a:latin typeface="Arial"/>
+            </a:endParaRPr>
+          </a:p>
+          <a:p>
+            <a:pPr>
+              <a:lnSpc>
+                <a:spcPct val="90000"/>
+              </a:lnSpc>
+              <a:spcBef>
+                <a:spcPts val="1001"/>
+              </a:spcBef>
+            </a:pPr>
+            <a:endParaRPr b="0" lang="en-GB" sz="2000" spc="-1" strike="noStrike">
+              <a:latin typeface="Arial"/>
+            </a:endParaRPr>
+          </a:p>
+          <a:p>
+            <a:pPr>
+              <a:lnSpc>
+                <a:spcPct val="90000"/>
+              </a:lnSpc>
+              <a:spcBef>
+                <a:spcPts val="1001"/>
+              </a:spcBef>
+            </a:pPr>
+            <a:endParaRPr b="0" lang="en-GB" sz="2000" spc="-1" strike="noStrike">
+              <a:latin typeface="Arial"/>
+            </a:endParaRPr>
+          </a:p>
+          <a:p>
+            <a:pPr>
+              <a:lnSpc>
+                <a:spcPct val="90000"/>
+              </a:lnSpc>
+              <a:spcBef>
+                <a:spcPts val="1001"/>
+              </a:spcBef>
+            </a:pPr>
+            <a:endParaRPr b="0" lang="en-GB" sz="2000" spc="-1" strike="noStrike">
+              <a:latin typeface="Arial"/>
+            </a:endParaRPr>
+          </a:p>
+          <a:p>
+            <a:pPr>
+              <a:lnSpc>
+                <a:spcPct val="90000"/>
+              </a:lnSpc>
+              <a:spcBef>
+                <a:spcPts val="1001"/>
+              </a:spcBef>
+            </a:pPr>
+            <a:endParaRPr b="0" lang="en-GB" sz="2000" spc="-1" strike="noStrike">
+              <a:latin typeface="Arial"/>
+            </a:endParaRPr>
+          </a:p>
+          <a:p>
+            <a:pPr>
+              <a:lnSpc>
+                <a:spcPct val="90000"/>
+              </a:lnSpc>
+              <a:spcBef>
+                <a:spcPts val="1001"/>
+              </a:spcBef>
+            </a:pPr>
+            <a:endParaRPr b="0" lang="en-GB" sz="2000" spc="-1" strike="noStrike">
+              <a:latin typeface="Arial"/>
+            </a:endParaRPr>
+          </a:p>
+        </p:txBody>
+      </p:sp>
     </p:spTree>
   </p:cSld>
   <p:timing>
@@ -8662,6 +10252,1371 @@
 </file>
 
 <file path=ppt/slides/slide20.xml><?xml version="1.0" encoding="utf-8"?>
+<p:sld xmlns:a="http://schemas.openxmlformats.org/drawingml/2006/main" xmlns:p="http://schemas.openxmlformats.org/presentationml/2006/main" xmlns:r="http://schemas.openxmlformats.org/officeDocument/2006/relationships" xmlns:p14="http://schemas.microsoft.com/office/powerpoint/2010/main" xmlns:p15="http://schemas.microsoft.com/office/powerpoint/2012/main" xmlns:mc="http://schemas.openxmlformats.org/markup-compatibility/2006">
+  <p:cSld>
+    <p:spTree>
+      <p:nvGrpSpPr>
+        <p:cNvPr id="1" name=""/>
+        <p:cNvGrpSpPr/>
+        <p:nvPr/>
+      </p:nvGrpSpPr>
+      <p:grpSpPr>
+        <a:xfrm>
+          <a:off x="0" y="0"/>
+          <a:ext cx="0" cy="0"/>
+          <a:chOff x="0" y="0"/>
+          <a:chExt cx="0" cy="0"/>
+        </a:xfrm>
+      </p:grpSpPr>
+      <p:pic>
+        <p:nvPicPr>
+          <p:cNvPr id="194" name="Picture 3" descr=""/>
+          <p:cNvPicPr/>
+          <p:nvPr/>
+        </p:nvPicPr>
+        <p:blipFill>
+          <a:blip r:embed="rId1"/>
+          <a:stretch/>
+        </p:blipFill>
+        <p:spPr>
+          <a:xfrm>
+            <a:off x="180360" y="6149160"/>
+            <a:ext cx="3294360" cy="523080"/>
+          </a:xfrm>
+          <a:prstGeom prst="rect">
+            <a:avLst/>
+          </a:prstGeom>
+          <a:ln>
+            <a:noFill/>
+          </a:ln>
+        </p:spPr>
+      </p:pic>
+      <p:sp>
+        <p:nvSpPr>
+          <p:cNvPr id="195" name="CustomShape 1"/>
+          <p:cNvSpPr/>
+          <p:nvPr/>
+        </p:nvSpPr>
+        <p:spPr>
+          <a:xfrm>
+            <a:off x="838080" y="365040"/>
+            <a:ext cx="10513440" cy="1323360"/>
+          </a:xfrm>
+          <a:prstGeom prst="rect">
+            <a:avLst/>
+          </a:prstGeom>
+          <a:noFill/>
+          <a:ln>
+            <a:noFill/>
+          </a:ln>
+        </p:spPr>
+        <p:style>
+          <a:lnRef idx="0"/>
+          <a:fillRef idx="0"/>
+          <a:effectRef idx="0"/>
+          <a:fontRef idx="minor"/>
+        </p:style>
+        <p:txBody>
+          <a:bodyPr lIns="90000" rIns="90000" tIns="45000" bIns="45000" anchor="ctr"/>
+          <a:p>
+            <a:pPr>
+              <a:lnSpc>
+                <a:spcPct val="90000"/>
+              </a:lnSpc>
+            </a:pPr>
+            <a:r>
+              <a:rPr b="0" lang="en-GB" sz="4400" spc="-1" strike="noStrike">
+                <a:solidFill>
+                  <a:srgbClr val="f2f2f2"/>
+                </a:solidFill>
+                <a:latin typeface="Calibri Light"/>
+                <a:ea typeface="DejaVu Sans"/>
+              </a:rPr>
+              <a:t>Recap</a:t>
+            </a:r>
+            <a:endParaRPr b="0" lang="en-GB" sz="4400" spc="-1" strike="noStrike">
+              <a:latin typeface="Arial"/>
+            </a:endParaRPr>
+          </a:p>
+        </p:txBody>
+      </p:sp>
+      <p:sp>
+        <p:nvSpPr>
+          <p:cNvPr id="196" name="CustomShape 2"/>
+          <p:cNvSpPr/>
+          <p:nvPr/>
+        </p:nvSpPr>
+        <p:spPr>
+          <a:xfrm>
+            <a:off x="838080" y="1708560"/>
+            <a:ext cx="10536840" cy="2565360"/>
+          </a:xfrm>
+          <a:prstGeom prst="rect">
+            <a:avLst/>
+          </a:prstGeom>
+          <a:noFill/>
+          <a:ln>
+            <a:noFill/>
+          </a:ln>
+        </p:spPr>
+        <p:style>
+          <a:lnRef idx="0"/>
+          <a:fillRef idx="0"/>
+          <a:effectRef idx="0"/>
+          <a:fontRef idx="minor"/>
+        </p:style>
+        <p:txBody>
+          <a:bodyPr lIns="90000" rIns="90000" tIns="45000" bIns="45000">
+            <a:normAutofit/>
+          </a:bodyPr>
+          <a:p>
+            <a:pPr>
+              <a:lnSpc>
+                <a:spcPct val="90000"/>
+              </a:lnSpc>
+              <a:spcBef>
+                <a:spcPts val="1001"/>
+              </a:spcBef>
+            </a:pPr>
+            <a:endParaRPr b="0" lang="en-GB" sz="1800" spc="-1" strike="noStrike">
+              <a:latin typeface="Arial"/>
+            </a:endParaRPr>
+          </a:p>
+          <a:p>
+            <a:pPr>
+              <a:lnSpc>
+                <a:spcPct val="90000"/>
+              </a:lnSpc>
+              <a:spcBef>
+                <a:spcPts val="1001"/>
+              </a:spcBef>
+            </a:pPr>
+            <a:endParaRPr b="0" lang="en-GB" sz="1800" spc="-1" strike="noStrike">
+              <a:latin typeface="Arial"/>
+            </a:endParaRPr>
+          </a:p>
+          <a:p>
+            <a:pPr>
+              <a:lnSpc>
+                <a:spcPct val="90000"/>
+              </a:lnSpc>
+              <a:spcBef>
+                <a:spcPts val="1001"/>
+              </a:spcBef>
+            </a:pPr>
+            <a:endParaRPr b="0" lang="en-GB" sz="1800" spc="-1" strike="noStrike">
+              <a:latin typeface="Arial"/>
+            </a:endParaRPr>
+          </a:p>
+          <a:p>
+            <a:pPr>
+              <a:lnSpc>
+                <a:spcPct val="90000"/>
+              </a:lnSpc>
+              <a:spcBef>
+                <a:spcPts val="1001"/>
+              </a:spcBef>
+            </a:pPr>
+            <a:endParaRPr b="0" lang="en-GB" sz="1800" spc="-1" strike="noStrike">
+              <a:latin typeface="Arial"/>
+            </a:endParaRPr>
+          </a:p>
+          <a:p>
+            <a:pPr>
+              <a:lnSpc>
+                <a:spcPct val="90000"/>
+              </a:lnSpc>
+              <a:spcBef>
+                <a:spcPts val="1001"/>
+              </a:spcBef>
+            </a:pPr>
+            <a:endParaRPr b="0" lang="en-GB" sz="1800" spc="-1" strike="noStrike">
+              <a:latin typeface="Arial"/>
+            </a:endParaRPr>
+          </a:p>
+          <a:p>
+            <a:pPr>
+              <a:lnSpc>
+                <a:spcPct val="90000"/>
+              </a:lnSpc>
+              <a:spcBef>
+                <a:spcPts val="1001"/>
+              </a:spcBef>
+            </a:pPr>
+            <a:endParaRPr b="0" lang="en-GB" sz="1800" spc="-1" strike="noStrike">
+              <a:latin typeface="Arial"/>
+            </a:endParaRPr>
+          </a:p>
+          <a:p>
+            <a:pPr>
+              <a:lnSpc>
+                <a:spcPct val="90000"/>
+              </a:lnSpc>
+              <a:spcBef>
+                <a:spcPts val="499"/>
+              </a:spcBef>
+            </a:pPr>
+            <a:endParaRPr b="0" lang="en-GB" sz="1800" spc="-1" strike="noStrike">
+              <a:latin typeface="Arial"/>
+            </a:endParaRPr>
+          </a:p>
+          <a:p>
+            <a:pPr>
+              <a:lnSpc>
+                <a:spcPct val="90000"/>
+              </a:lnSpc>
+              <a:spcBef>
+                <a:spcPts val="1001"/>
+              </a:spcBef>
+            </a:pPr>
+            <a:endParaRPr b="0" lang="en-GB" sz="1800" spc="-1" strike="noStrike">
+              <a:latin typeface="Arial"/>
+            </a:endParaRPr>
+          </a:p>
+          <a:p>
+            <a:pPr>
+              <a:lnSpc>
+                <a:spcPct val="90000"/>
+              </a:lnSpc>
+              <a:spcBef>
+                <a:spcPts val="1001"/>
+              </a:spcBef>
+            </a:pPr>
+            <a:endParaRPr b="0" lang="en-GB" sz="1800" spc="-1" strike="noStrike">
+              <a:latin typeface="Arial"/>
+            </a:endParaRPr>
+          </a:p>
+          <a:p>
+            <a:pPr>
+              <a:lnSpc>
+                <a:spcPct val="90000"/>
+              </a:lnSpc>
+              <a:spcBef>
+                <a:spcPts val="1001"/>
+              </a:spcBef>
+            </a:pPr>
+            <a:endParaRPr b="0" lang="en-GB" sz="1800" spc="-1" strike="noStrike">
+              <a:latin typeface="Arial"/>
+            </a:endParaRPr>
+          </a:p>
+        </p:txBody>
+      </p:sp>
+      <p:sp>
+        <p:nvSpPr>
+          <p:cNvPr id="197" name="CustomShape 3"/>
+          <p:cNvSpPr/>
+          <p:nvPr/>
+        </p:nvSpPr>
+        <p:spPr>
+          <a:xfrm>
+            <a:off x="7720560" y="6153840"/>
+            <a:ext cx="4288680" cy="513360"/>
+          </a:xfrm>
+          <a:prstGeom prst="rect">
+            <a:avLst/>
+          </a:prstGeom>
+          <a:noFill/>
+          <a:ln>
+            <a:noFill/>
+          </a:ln>
+        </p:spPr>
+        <p:style>
+          <a:lnRef idx="0"/>
+          <a:fillRef idx="0"/>
+          <a:effectRef idx="0"/>
+          <a:fontRef idx="minor"/>
+        </p:style>
+      </p:sp>
+      <p:sp>
+        <p:nvSpPr>
+          <p:cNvPr id="198" name="CustomShape 4"/>
+          <p:cNvSpPr/>
+          <p:nvPr/>
+        </p:nvSpPr>
+        <p:spPr>
+          <a:xfrm>
+            <a:off x="838080" y="1708560"/>
+            <a:ext cx="11112840" cy="3258360"/>
+          </a:xfrm>
+          <a:prstGeom prst="rect">
+            <a:avLst/>
+          </a:prstGeom>
+          <a:noFill/>
+          <a:ln>
+            <a:noFill/>
+          </a:ln>
+        </p:spPr>
+        <p:style>
+          <a:lnRef idx="0"/>
+          <a:fillRef idx="0"/>
+          <a:effectRef idx="0"/>
+          <a:fontRef idx="minor"/>
+        </p:style>
+        <p:txBody>
+          <a:bodyPr lIns="90000" rIns="90000" tIns="45000" bIns="45000">
+            <a:normAutofit/>
+          </a:bodyPr>
+          <a:p>
+            <a:pPr marL="228600" indent="-226440">
+              <a:lnSpc>
+                <a:spcPct val="90000"/>
+              </a:lnSpc>
+              <a:spcBef>
+                <a:spcPts val="1001"/>
+              </a:spcBef>
+              <a:buClr>
+                <a:srgbClr val="d9d9d9"/>
+              </a:buClr>
+              <a:buFont typeface="Arial"/>
+              <a:buChar char="•"/>
+            </a:pPr>
+            <a:r>
+              <a:rPr b="0" lang="en-GB" sz="2800" spc="-1" strike="noStrike">
+                <a:solidFill>
+                  <a:srgbClr val="d9d9d9"/>
+                </a:solidFill>
+                <a:latin typeface="Calibri"/>
+                <a:ea typeface="DejaVu Sans"/>
+              </a:rPr>
+              <a:t>Unit Testing is a fundamental aspect of the ALM story</a:t>
+            </a:r>
+            <a:endParaRPr b="0" lang="en-GB" sz="2800" spc="-1" strike="noStrike">
+              <a:latin typeface="Arial"/>
+            </a:endParaRPr>
+          </a:p>
+          <a:p>
+            <a:pPr marL="228600" indent="-226440">
+              <a:lnSpc>
+                <a:spcPct val="90000"/>
+              </a:lnSpc>
+              <a:spcBef>
+                <a:spcPts val="1001"/>
+              </a:spcBef>
+              <a:buClr>
+                <a:srgbClr val="d9d9d9"/>
+              </a:buClr>
+              <a:buFont typeface="Arial"/>
+              <a:buChar char="•"/>
+            </a:pPr>
+            <a:r>
+              <a:rPr b="0" lang="en-GB" sz="2800" spc="-1" strike="noStrike">
+                <a:solidFill>
+                  <a:srgbClr val="d9d9d9"/>
+                </a:solidFill>
+                <a:latin typeface="Calibri"/>
+                <a:ea typeface="DejaVu Sans"/>
+              </a:rPr>
+              <a:t>ProDev increased efficiency</a:t>
+            </a:r>
+            <a:endParaRPr b="0" lang="en-GB" sz="2800" spc="-1" strike="noStrike">
+              <a:latin typeface="Arial"/>
+            </a:endParaRPr>
+          </a:p>
+          <a:p>
+            <a:pPr marL="228600" indent="-226440">
+              <a:lnSpc>
+                <a:spcPct val="90000"/>
+              </a:lnSpc>
+              <a:spcBef>
+                <a:spcPts val="1001"/>
+              </a:spcBef>
+              <a:buClr>
+                <a:srgbClr val="d9d9d9"/>
+              </a:buClr>
+              <a:buFont typeface="Arial"/>
+              <a:buChar char="•"/>
+            </a:pPr>
+            <a:r>
+              <a:rPr b="0" lang="en-GB" sz="2800" spc="-1" strike="noStrike">
+                <a:solidFill>
+                  <a:srgbClr val="d9d9d9"/>
+                </a:solidFill>
+                <a:latin typeface="Calibri"/>
+                <a:ea typeface="DejaVu Sans"/>
+              </a:rPr>
+              <a:t>Develop &amp; debug locally many, without hitting an actual Dataverse environment</a:t>
+            </a:r>
+            <a:endParaRPr b="0" lang="en-GB" sz="2800" spc="-1" strike="noStrike">
+              <a:latin typeface="Arial"/>
+            </a:endParaRPr>
+          </a:p>
+          <a:p>
+            <a:pPr marL="228600" indent="-226440">
+              <a:lnSpc>
+                <a:spcPct val="90000"/>
+              </a:lnSpc>
+              <a:spcBef>
+                <a:spcPts val="1001"/>
+              </a:spcBef>
+              <a:buClr>
+                <a:srgbClr val="d9d9d9"/>
+              </a:buClr>
+              <a:buFont typeface="Arial"/>
+              <a:buChar char="•"/>
+            </a:pPr>
+            <a:r>
+              <a:rPr b="0" lang="en-GB" sz="2800" spc="-1" strike="noStrike">
+                <a:solidFill>
+                  <a:srgbClr val="d9d9d9"/>
+                </a:solidFill>
+                <a:latin typeface="Calibri"/>
+                <a:ea typeface="DejaVu Sans"/>
+              </a:rPr>
+              <a:t>v1.x is deprecated and in maintenance mode</a:t>
+            </a:r>
+            <a:endParaRPr b="0" lang="en-GB" sz="2800" spc="-1" strike="noStrike">
+              <a:latin typeface="Arial"/>
+            </a:endParaRPr>
+          </a:p>
+          <a:p>
+            <a:pPr marL="228600" indent="-226440">
+              <a:lnSpc>
+                <a:spcPct val="90000"/>
+              </a:lnSpc>
+              <a:spcBef>
+                <a:spcPts val="1001"/>
+              </a:spcBef>
+              <a:buClr>
+                <a:srgbClr val="d9d9d9"/>
+              </a:buClr>
+              <a:buFont typeface="Arial"/>
+              <a:buChar char="•"/>
+            </a:pPr>
+            <a:r>
+              <a:rPr b="0" lang="en-GB" sz="2800" spc="-1" strike="noStrike">
+                <a:solidFill>
+                  <a:srgbClr val="d9d9d9"/>
+                </a:solidFill>
+                <a:latin typeface="Calibri"/>
+                <a:ea typeface="DejaVu Sans"/>
+              </a:rPr>
+              <a:t>Use v2.x for server-side development on Windows </a:t>
+            </a:r>
+            <a:endParaRPr b="0" lang="en-GB" sz="2800" spc="-1" strike="noStrike">
+              <a:latin typeface="Arial"/>
+            </a:endParaRPr>
+          </a:p>
+          <a:p>
+            <a:pPr marL="228600" indent="-226440">
+              <a:lnSpc>
+                <a:spcPct val="90000"/>
+              </a:lnSpc>
+              <a:spcBef>
+                <a:spcPts val="1001"/>
+              </a:spcBef>
+              <a:buClr>
+                <a:srgbClr val="d9d9d9"/>
+              </a:buClr>
+              <a:buFont typeface="Arial"/>
+              <a:buChar char="•"/>
+            </a:pPr>
+            <a:r>
+              <a:rPr b="0" lang="en-GB" sz="2800" spc="-1" strike="noStrike">
+                <a:solidFill>
+                  <a:srgbClr val="d9d9d9"/>
+                </a:solidFill>
+                <a:latin typeface="Calibri"/>
+                <a:ea typeface="DejaVu Sans"/>
+              </a:rPr>
+              <a:t>Use v3.x for client-side dev in .net core 3.1</a:t>
+            </a:r>
+            <a:endParaRPr b="0" lang="en-GB" sz="2800" spc="-1" strike="noStrike">
+              <a:latin typeface="Arial"/>
+            </a:endParaRPr>
+          </a:p>
+          <a:p>
+            <a:pPr marL="228600" indent="-226440">
+              <a:lnSpc>
+                <a:spcPct val="90000"/>
+              </a:lnSpc>
+              <a:spcBef>
+                <a:spcPts val="1001"/>
+              </a:spcBef>
+              <a:buClr>
+                <a:srgbClr val="d9d9d9"/>
+              </a:buClr>
+              <a:buFont typeface="Arial"/>
+              <a:buChar char="•"/>
+            </a:pPr>
+            <a:r>
+              <a:rPr b="0" lang="en-GB" sz="2800" spc="-1" strike="noStrike">
+                <a:solidFill>
+                  <a:srgbClr val="d9d9d9"/>
+                </a:solidFill>
+                <a:latin typeface="Calibri"/>
+                <a:ea typeface="DejaVu Sans"/>
+              </a:rPr>
+              <a:t>The slides of this demo as well as the code samples, can be found here:</a:t>
+            </a:r>
+            <a:endParaRPr b="0" lang="en-GB" sz="2800" spc="-1" strike="noStrike">
+              <a:latin typeface="Arial"/>
+            </a:endParaRPr>
+          </a:p>
+          <a:p>
+            <a:pPr>
+              <a:lnSpc>
+                <a:spcPct val="90000"/>
+              </a:lnSpc>
+              <a:spcBef>
+                <a:spcPts val="1001"/>
+              </a:spcBef>
+            </a:pPr>
+            <a:endParaRPr b="0" lang="en-GB" sz="2800" spc="-1" strike="noStrike">
+              <a:latin typeface="Arial"/>
+            </a:endParaRPr>
+          </a:p>
+          <a:p>
+            <a:pPr>
+              <a:lnSpc>
+                <a:spcPct val="90000"/>
+              </a:lnSpc>
+              <a:spcBef>
+                <a:spcPts val="1001"/>
+              </a:spcBef>
+            </a:pPr>
+            <a:r>
+              <a:rPr b="0" lang="en-GB" sz="2800" spc="-1" strike="noStrike">
+                <a:solidFill>
+                  <a:srgbClr val="d9d9d9"/>
+                </a:solidFill>
+                <a:latin typeface="Calibri"/>
+                <a:ea typeface="DejaVu Sans"/>
+              </a:rPr>
+              <a:t>https://github.com/DynamicsValue/power-apps-bootcamp-2022-05</a:t>
+            </a:r>
+            <a:endParaRPr b="0" lang="en-GB" sz="2800" spc="-1" strike="noStrike">
+              <a:latin typeface="Arial"/>
+            </a:endParaRPr>
+          </a:p>
+          <a:p>
+            <a:pPr>
+              <a:lnSpc>
+                <a:spcPct val="90000"/>
+              </a:lnSpc>
+              <a:spcBef>
+                <a:spcPts val="1001"/>
+              </a:spcBef>
+            </a:pPr>
+            <a:endParaRPr b="0" lang="en-GB" sz="2800" spc="-1" strike="noStrike">
+              <a:latin typeface="Arial"/>
+            </a:endParaRPr>
+          </a:p>
+          <a:p>
+            <a:pPr>
+              <a:lnSpc>
+                <a:spcPct val="90000"/>
+              </a:lnSpc>
+              <a:spcBef>
+                <a:spcPts val="1001"/>
+              </a:spcBef>
+            </a:pPr>
+            <a:endParaRPr b="0" lang="en-GB" sz="2800" spc="-1" strike="noStrike">
+              <a:latin typeface="Arial"/>
+            </a:endParaRPr>
+          </a:p>
+          <a:p>
+            <a:pPr>
+              <a:lnSpc>
+                <a:spcPct val="90000"/>
+              </a:lnSpc>
+              <a:spcBef>
+                <a:spcPts val="1001"/>
+              </a:spcBef>
+            </a:pPr>
+            <a:endParaRPr b="0" lang="en-GB" sz="2800" spc="-1" strike="noStrike">
+              <a:latin typeface="Arial"/>
+            </a:endParaRPr>
+          </a:p>
+          <a:p>
+            <a:pPr>
+              <a:lnSpc>
+                <a:spcPct val="90000"/>
+              </a:lnSpc>
+              <a:spcBef>
+                <a:spcPts val="1001"/>
+              </a:spcBef>
+            </a:pPr>
+            <a:endParaRPr b="0" lang="en-GB" sz="2800" spc="-1" strike="noStrike">
+              <a:latin typeface="Arial"/>
+            </a:endParaRPr>
+          </a:p>
+          <a:p>
+            <a:pPr>
+              <a:lnSpc>
+                <a:spcPct val="90000"/>
+              </a:lnSpc>
+              <a:spcBef>
+                <a:spcPts val="1001"/>
+              </a:spcBef>
+            </a:pPr>
+            <a:endParaRPr b="0" lang="en-GB" sz="2800" spc="-1" strike="noStrike">
+              <a:latin typeface="Arial"/>
+            </a:endParaRPr>
+          </a:p>
+          <a:p>
+            <a:pPr>
+              <a:lnSpc>
+                <a:spcPct val="90000"/>
+              </a:lnSpc>
+              <a:spcBef>
+                <a:spcPts val="1001"/>
+              </a:spcBef>
+            </a:pPr>
+            <a:endParaRPr b="0" lang="en-GB" sz="2800" spc="-1" strike="noStrike">
+              <a:latin typeface="Arial"/>
+            </a:endParaRPr>
+          </a:p>
+          <a:p>
+            <a:pPr>
+              <a:lnSpc>
+                <a:spcPct val="90000"/>
+              </a:lnSpc>
+              <a:spcBef>
+                <a:spcPts val="1001"/>
+              </a:spcBef>
+            </a:pPr>
+            <a:endParaRPr b="0" lang="en-GB" sz="2800" spc="-1" strike="noStrike">
+              <a:latin typeface="Arial"/>
+            </a:endParaRPr>
+          </a:p>
+          <a:p>
+            <a:pPr>
+              <a:lnSpc>
+                <a:spcPct val="90000"/>
+              </a:lnSpc>
+              <a:spcBef>
+                <a:spcPts val="499"/>
+              </a:spcBef>
+            </a:pPr>
+            <a:endParaRPr b="0" lang="en-GB" sz="2800" spc="-1" strike="noStrike">
+              <a:latin typeface="Arial"/>
+            </a:endParaRPr>
+          </a:p>
+          <a:p>
+            <a:pPr>
+              <a:lnSpc>
+                <a:spcPct val="90000"/>
+              </a:lnSpc>
+              <a:spcBef>
+                <a:spcPts val="1001"/>
+              </a:spcBef>
+            </a:pPr>
+            <a:endParaRPr b="0" lang="en-GB" sz="2800" spc="-1" strike="noStrike">
+              <a:latin typeface="Arial"/>
+            </a:endParaRPr>
+          </a:p>
+          <a:p>
+            <a:pPr>
+              <a:lnSpc>
+                <a:spcPct val="90000"/>
+              </a:lnSpc>
+              <a:spcBef>
+                <a:spcPts val="1001"/>
+              </a:spcBef>
+            </a:pPr>
+            <a:endParaRPr b="0" lang="en-GB" sz="2800" spc="-1" strike="noStrike">
+              <a:latin typeface="Arial"/>
+            </a:endParaRPr>
+          </a:p>
+          <a:p>
+            <a:pPr>
+              <a:lnSpc>
+                <a:spcPct val="90000"/>
+              </a:lnSpc>
+              <a:spcBef>
+                <a:spcPts val="1001"/>
+              </a:spcBef>
+            </a:pPr>
+            <a:endParaRPr b="0" lang="en-GB" sz="2800" spc="-1" strike="noStrike">
+              <a:latin typeface="Arial"/>
+            </a:endParaRPr>
+          </a:p>
+        </p:txBody>
+      </p:sp>
+      <p:sp>
+        <p:nvSpPr>
+          <p:cNvPr id="199" name="CustomShape 5"/>
+          <p:cNvSpPr/>
+          <p:nvPr/>
+        </p:nvSpPr>
+        <p:spPr>
+          <a:xfrm>
+            <a:off x="7848000" y="6153840"/>
+            <a:ext cx="4104000" cy="461160"/>
+          </a:xfrm>
+          <a:prstGeom prst="rect">
+            <a:avLst/>
+          </a:prstGeom>
+          <a:noFill/>
+          <a:ln>
+            <a:noFill/>
+          </a:ln>
+        </p:spPr>
+        <p:style>
+          <a:lnRef idx="0"/>
+          <a:fillRef idx="0"/>
+          <a:effectRef idx="0"/>
+          <a:fontRef idx="minor"/>
+        </p:style>
+        <p:txBody>
+          <a:bodyPr lIns="90000" rIns="90000" tIns="45000" bIns="45000"/>
+          <a:p>
+            <a:pPr marL="228600" indent="-226440">
+              <a:lnSpc>
+                <a:spcPct val="90000"/>
+              </a:lnSpc>
+              <a:spcBef>
+                <a:spcPts val="1001"/>
+              </a:spcBef>
+              <a:buClr>
+                <a:srgbClr val="d9d9d9"/>
+              </a:buClr>
+              <a:buFont typeface="Arial"/>
+              <a:buChar char="•"/>
+            </a:pPr>
+            <a:r>
+              <a:rPr b="0" lang="en-GB" sz="2000" spc="-1" strike="noStrike">
+                <a:solidFill>
+                  <a:srgbClr val="d9d9d9"/>
+                </a:solidFill>
+                <a:latin typeface="Calibri"/>
+                <a:ea typeface="DejaVu Sans"/>
+              </a:rPr>
+              <a:t>https://dynamicsvalue.com</a:t>
+            </a:r>
+            <a:endParaRPr b="0" lang="en-GB" sz="2000" spc="-1" strike="noStrike">
+              <a:latin typeface="Arial"/>
+            </a:endParaRPr>
+          </a:p>
+          <a:p>
+            <a:pPr>
+              <a:lnSpc>
+                <a:spcPct val="90000"/>
+              </a:lnSpc>
+              <a:spcBef>
+                <a:spcPts val="1001"/>
+              </a:spcBef>
+            </a:pPr>
+            <a:endParaRPr b="0" lang="en-GB" sz="2000" spc="-1" strike="noStrike">
+              <a:latin typeface="Arial"/>
+            </a:endParaRPr>
+          </a:p>
+          <a:p>
+            <a:pPr>
+              <a:lnSpc>
+                <a:spcPct val="90000"/>
+              </a:lnSpc>
+              <a:spcBef>
+                <a:spcPts val="1001"/>
+              </a:spcBef>
+            </a:pPr>
+            <a:endParaRPr b="0" lang="en-GB" sz="2000" spc="-1" strike="noStrike">
+              <a:latin typeface="Arial"/>
+            </a:endParaRPr>
+          </a:p>
+          <a:p>
+            <a:pPr>
+              <a:lnSpc>
+                <a:spcPct val="90000"/>
+              </a:lnSpc>
+              <a:spcBef>
+                <a:spcPts val="1001"/>
+              </a:spcBef>
+            </a:pPr>
+            <a:endParaRPr b="0" lang="en-GB" sz="2000" spc="-1" strike="noStrike">
+              <a:latin typeface="Arial"/>
+            </a:endParaRPr>
+          </a:p>
+          <a:p>
+            <a:pPr>
+              <a:lnSpc>
+                <a:spcPct val="90000"/>
+              </a:lnSpc>
+              <a:spcBef>
+                <a:spcPts val="1001"/>
+              </a:spcBef>
+            </a:pPr>
+            <a:endParaRPr b="0" lang="en-GB" sz="2000" spc="-1" strike="noStrike">
+              <a:latin typeface="Arial"/>
+            </a:endParaRPr>
+          </a:p>
+          <a:p>
+            <a:pPr>
+              <a:lnSpc>
+                <a:spcPct val="90000"/>
+              </a:lnSpc>
+              <a:spcBef>
+                <a:spcPts val="1001"/>
+              </a:spcBef>
+            </a:pPr>
+            <a:endParaRPr b="0" lang="en-GB" sz="2000" spc="-1" strike="noStrike">
+              <a:latin typeface="Arial"/>
+            </a:endParaRPr>
+          </a:p>
+        </p:txBody>
+      </p:sp>
+    </p:spTree>
+  </p:cSld>
+  <p:timing>
+    <p:tnLst>
+      <p:par>
+        <p:cTn id="39" dur="indefinite" restart="never" nodeType="tmRoot">
+          <p:childTnLst>
+            <p:seq>
+              <p:cTn id="40" dur="indefinite" nodeType="mainSeq"/>
+              <p:prevCondLst>
+                <p:cond delay="0" evt="onPrev">
+                  <p:tgtEl>
+                    <p:sldTgt/>
+                  </p:tgtEl>
+                </p:cond>
+              </p:prevCondLst>
+              <p:nextCondLst>
+                <p:cond delay="0" evt="onNext">
+                  <p:tgtEl>
+                    <p:sldTgt/>
+                  </p:tgtEl>
+                </p:cond>
+              </p:nextCondLst>
+            </p:seq>
+          </p:childTnLst>
+        </p:cTn>
+      </p:par>
+    </p:tnLst>
+  </p:timing>
+</p:sld>
+</file>
+
+<file path=ppt/slides/slide21.xml><?xml version="1.0" encoding="utf-8"?>
+<p:sld xmlns:a="http://schemas.openxmlformats.org/drawingml/2006/main" xmlns:p="http://schemas.openxmlformats.org/presentationml/2006/main" xmlns:r="http://schemas.openxmlformats.org/officeDocument/2006/relationships" xmlns:p14="http://schemas.microsoft.com/office/powerpoint/2010/main" xmlns:p15="http://schemas.microsoft.com/office/powerpoint/2012/main" xmlns:mc="http://schemas.openxmlformats.org/markup-compatibility/2006">
+  <p:cSld>
+    <p:spTree>
+      <p:nvGrpSpPr>
+        <p:cNvPr id="1" name=""/>
+        <p:cNvGrpSpPr/>
+        <p:nvPr/>
+      </p:nvGrpSpPr>
+      <p:grpSpPr>
+        <a:xfrm>
+          <a:off x="0" y="0"/>
+          <a:ext cx="0" cy="0"/>
+          <a:chOff x="0" y="0"/>
+          <a:chExt cx="0" cy="0"/>
+        </a:xfrm>
+      </p:grpSpPr>
+      <p:pic>
+        <p:nvPicPr>
+          <p:cNvPr id="200" name="Picture 3" descr=""/>
+          <p:cNvPicPr/>
+          <p:nvPr/>
+        </p:nvPicPr>
+        <p:blipFill>
+          <a:blip r:embed="rId1"/>
+          <a:stretch/>
+        </p:blipFill>
+        <p:spPr>
+          <a:xfrm>
+            <a:off x="180360" y="6149160"/>
+            <a:ext cx="3294360" cy="523080"/>
+          </a:xfrm>
+          <a:prstGeom prst="rect">
+            <a:avLst/>
+          </a:prstGeom>
+          <a:ln>
+            <a:noFill/>
+          </a:ln>
+        </p:spPr>
+      </p:pic>
+      <p:sp>
+        <p:nvSpPr>
+          <p:cNvPr id="201" name="CustomShape 1"/>
+          <p:cNvSpPr/>
+          <p:nvPr/>
+        </p:nvSpPr>
+        <p:spPr>
+          <a:xfrm>
+            <a:off x="2207880" y="2766240"/>
+            <a:ext cx="7774200" cy="1323360"/>
+          </a:xfrm>
+          <a:prstGeom prst="rect">
+            <a:avLst/>
+          </a:prstGeom>
+          <a:noFill/>
+          <a:ln>
+            <a:noFill/>
+          </a:ln>
+        </p:spPr>
+        <p:style>
+          <a:lnRef idx="0"/>
+          <a:fillRef idx="0"/>
+          <a:effectRef idx="0"/>
+          <a:fontRef idx="minor"/>
+        </p:style>
+        <p:txBody>
+          <a:bodyPr lIns="90000" rIns="90000" tIns="45000" bIns="45000" anchor="ctr"/>
+          <a:p>
+            <a:pPr algn="ctr">
+              <a:lnSpc>
+                <a:spcPct val="90000"/>
+              </a:lnSpc>
+            </a:pPr>
+            <a:r>
+              <a:rPr b="0" lang="en-GB" sz="4400" spc="-1" strike="noStrike">
+                <a:solidFill>
+                  <a:srgbClr val="f2f2f2"/>
+                </a:solidFill>
+                <a:latin typeface="Calibri Light"/>
+                <a:ea typeface="DejaVu Sans"/>
+              </a:rPr>
+              <a:t>Thanks for your time …</a:t>
+            </a:r>
+            <a:endParaRPr b="0" lang="en-GB" sz="4400" spc="-1" strike="noStrike">
+              <a:latin typeface="Arial"/>
+            </a:endParaRPr>
+          </a:p>
+          <a:p>
+            <a:pPr algn="ctr">
+              <a:lnSpc>
+                <a:spcPct val="90000"/>
+              </a:lnSpc>
+            </a:pPr>
+            <a:endParaRPr b="0" lang="en-GB" sz="4400" spc="-1" strike="noStrike">
+              <a:latin typeface="Arial"/>
+            </a:endParaRPr>
+          </a:p>
+          <a:p>
+            <a:pPr algn="ctr">
+              <a:lnSpc>
+                <a:spcPct val="90000"/>
+              </a:lnSpc>
+            </a:pPr>
+            <a:r>
+              <a:rPr b="0" lang="en-GB" sz="4400" spc="-1" strike="noStrike">
+                <a:solidFill>
+                  <a:srgbClr val="f2f2f2"/>
+                </a:solidFill>
+                <a:latin typeface="Calibri Light"/>
+                <a:ea typeface="DejaVu Sans"/>
+              </a:rPr>
+              <a:t>¿any questions?</a:t>
+            </a:r>
+            <a:endParaRPr b="0" lang="en-GB" sz="4400" spc="-1" strike="noStrike">
+              <a:latin typeface="Arial"/>
+            </a:endParaRPr>
+          </a:p>
+        </p:txBody>
+      </p:sp>
+      <p:sp>
+        <p:nvSpPr>
+          <p:cNvPr id="202" name="CustomShape 2"/>
+          <p:cNvSpPr/>
+          <p:nvPr/>
+        </p:nvSpPr>
+        <p:spPr>
+          <a:xfrm>
+            <a:off x="838080" y="1825560"/>
+            <a:ext cx="10513440" cy="4349160"/>
+          </a:xfrm>
+          <a:prstGeom prst="rect">
+            <a:avLst/>
+          </a:prstGeom>
+          <a:noFill/>
+          <a:ln>
+            <a:noFill/>
+          </a:ln>
+        </p:spPr>
+        <p:style>
+          <a:lnRef idx="0"/>
+          <a:fillRef idx="0"/>
+          <a:effectRef idx="0"/>
+          <a:fontRef idx="minor"/>
+        </p:style>
+        <p:txBody>
+          <a:bodyPr lIns="90000" rIns="90000" tIns="45000" bIns="45000"/>
+          <a:p>
+            <a:pPr>
+              <a:lnSpc>
+                <a:spcPct val="90000"/>
+              </a:lnSpc>
+              <a:spcBef>
+                <a:spcPts val="1001"/>
+              </a:spcBef>
+            </a:pPr>
+            <a:endParaRPr b="0" lang="en-GB" sz="1800" spc="-1" strike="noStrike">
+              <a:latin typeface="Arial"/>
+            </a:endParaRPr>
+          </a:p>
+          <a:p>
+            <a:pPr>
+              <a:lnSpc>
+                <a:spcPct val="90000"/>
+              </a:lnSpc>
+              <a:spcBef>
+                <a:spcPts val="1001"/>
+              </a:spcBef>
+            </a:pPr>
+            <a:endParaRPr b="0" lang="en-GB" sz="1800" spc="-1" strike="noStrike">
+              <a:latin typeface="Arial"/>
+            </a:endParaRPr>
+          </a:p>
+        </p:txBody>
+      </p:sp>
+      <p:sp>
+        <p:nvSpPr>
+          <p:cNvPr id="203" name="CustomShape 3"/>
+          <p:cNvSpPr/>
+          <p:nvPr/>
+        </p:nvSpPr>
+        <p:spPr>
+          <a:xfrm>
+            <a:off x="7720560" y="6153840"/>
+            <a:ext cx="4288680" cy="513360"/>
+          </a:xfrm>
+          <a:prstGeom prst="rect">
+            <a:avLst/>
+          </a:prstGeom>
+          <a:noFill/>
+          <a:ln>
+            <a:noFill/>
+          </a:ln>
+        </p:spPr>
+        <p:style>
+          <a:lnRef idx="0"/>
+          <a:fillRef idx="0"/>
+          <a:effectRef idx="0"/>
+          <a:fontRef idx="minor"/>
+        </p:style>
+      </p:sp>
+      <p:sp>
+        <p:nvSpPr>
+          <p:cNvPr id="204" name="CustomShape 4"/>
+          <p:cNvSpPr/>
+          <p:nvPr/>
+        </p:nvSpPr>
+        <p:spPr>
+          <a:xfrm>
+            <a:off x="7848000" y="6153840"/>
+            <a:ext cx="4104000" cy="461160"/>
+          </a:xfrm>
+          <a:prstGeom prst="rect">
+            <a:avLst/>
+          </a:prstGeom>
+          <a:noFill/>
+          <a:ln>
+            <a:noFill/>
+          </a:ln>
+        </p:spPr>
+        <p:style>
+          <a:lnRef idx="0"/>
+          <a:fillRef idx="0"/>
+          <a:effectRef idx="0"/>
+          <a:fontRef idx="minor"/>
+        </p:style>
+        <p:txBody>
+          <a:bodyPr lIns="90000" rIns="90000" tIns="45000" bIns="45000"/>
+          <a:p>
+            <a:pPr marL="228600" indent="-226440">
+              <a:lnSpc>
+                <a:spcPct val="90000"/>
+              </a:lnSpc>
+              <a:spcBef>
+                <a:spcPts val="1001"/>
+              </a:spcBef>
+              <a:buClr>
+                <a:srgbClr val="d9d9d9"/>
+              </a:buClr>
+              <a:buFont typeface="Arial"/>
+              <a:buChar char="•"/>
+            </a:pPr>
+            <a:r>
+              <a:rPr b="0" lang="en-GB" sz="2000" spc="-1" strike="noStrike">
+                <a:solidFill>
+                  <a:srgbClr val="d9d9d9"/>
+                </a:solidFill>
+                <a:latin typeface="Calibri"/>
+                <a:ea typeface="DejaVu Sans"/>
+              </a:rPr>
+              <a:t>https://dynamicsvalue.com</a:t>
+            </a:r>
+            <a:endParaRPr b="0" lang="en-GB" sz="2000" spc="-1" strike="noStrike">
+              <a:latin typeface="Arial"/>
+            </a:endParaRPr>
+          </a:p>
+          <a:p>
+            <a:pPr>
+              <a:lnSpc>
+                <a:spcPct val="90000"/>
+              </a:lnSpc>
+              <a:spcBef>
+                <a:spcPts val="1001"/>
+              </a:spcBef>
+            </a:pPr>
+            <a:endParaRPr b="0" lang="en-GB" sz="2000" spc="-1" strike="noStrike">
+              <a:latin typeface="Arial"/>
+            </a:endParaRPr>
+          </a:p>
+          <a:p>
+            <a:pPr>
+              <a:lnSpc>
+                <a:spcPct val="90000"/>
+              </a:lnSpc>
+              <a:spcBef>
+                <a:spcPts val="1001"/>
+              </a:spcBef>
+            </a:pPr>
+            <a:endParaRPr b="0" lang="en-GB" sz="2000" spc="-1" strike="noStrike">
+              <a:latin typeface="Arial"/>
+            </a:endParaRPr>
+          </a:p>
+          <a:p>
+            <a:pPr>
+              <a:lnSpc>
+                <a:spcPct val="90000"/>
+              </a:lnSpc>
+              <a:spcBef>
+                <a:spcPts val="1001"/>
+              </a:spcBef>
+            </a:pPr>
+            <a:endParaRPr b="0" lang="en-GB" sz="2000" spc="-1" strike="noStrike">
+              <a:latin typeface="Arial"/>
+            </a:endParaRPr>
+          </a:p>
+          <a:p>
+            <a:pPr>
+              <a:lnSpc>
+                <a:spcPct val="90000"/>
+              </a:lnSpc>
+              <a:spcBef>
+                <a:spcPts val="1001"/>
+              </a:spcBef>
+            </a:pPr>
+            <a:endParaRPr b="0" lang="en-GB" sz="2000" spc="-1" strike="noStrike">
+              <a:latin typeface="Arial"/>
+            </a:endParaRPr>
+          </a:p>
+          <a:p>
+            <a:pPr>
+              <a:lnSpc>
+                <a:spcPct val="90000"/>
+              </a:lnSpc>
+              <a:spcBef>
+                <a:spcPts val="1001"/>
+              </a:spcBef>
+            </a:pPr>
+            <a:endParaRPr b="0" lang="en-GB" sz="2000" spc="-1" strike="noStrike">
+              <a:latin typeface="Arial"/>
+            </a:endParaRPr>
+          </a:p>
+        </p:txBody>
+      </p:sp>
+    </p:spTree>
+  </p:cSld>
+  <p:timing>
+    <p:tnLst>
+      <p:par>
+        <p:cTn id="41" dur="indefinite" restart="never" nodeType="tmRoot">
+          <p:childTnLst>
+            <p:seq>
+              <p:cTn id="42" dur="indefinite" nodeType="mainSeq"/>
+              <p:prevCondLst>
+                <p:cond delay="0" evt="onPrev">
+                  <p:tgtEl>
+                    <p:sldTgt/>
+                  </p:tgtEl>
+                </p:cond>
+              </p:prevCondLst>
+              <p:nextCondLst>
+                <p:cond delay="0" evt="onNext">
+                  <p:tgtEl>
+                    <p:sldTgt/>
+                  </p:tgtEl>
+                </p:cond>
+              </p:nextCondLst>
+            </p:seq>
+          </p:childTnLst>
+        </p:cTn>
+      </p:par>
+    </p:tnLst>
+  </p:timing>
+</p:sld>
+</file>
+
+<file path=ppt/slides/slide22.xml><?xml version="1.0" encoding="utf-8"?>
+<p:sld xmlns:a="http://schemas.openxmlformats.org/drawingml/2006/main" xmlns:p="http://schemas.openxmlformats.org/presentationml/2006/main" xmlns:r="http://schemas.openxmlformats.org/officeDocument/2006/relationships" xmlns:p14="http://schemas.microsoft.com/office/powerpoint/2010/main" xmlns:p15="http://schemas.microsoft.com/office/powerpoint/2012/main" xmlns:mc="http://schemas.openxmlformats.org/markup-compatibility/2006" show="0">
+  <p:cSld>
+    <p:spTree>
+      <p:nvGrpSpPr>
+        <p:cNvPr id="1" name=""/>
+        <p:cNvGrpSpPr/>
+        <p:nvPr/>
+      </p:nvGrpSpPr>
+      <p:grpSpPr>
+        <a:xfrm>
+          <a:off x="0" y="0"/>
+          <a:ext cx="0" cy="0"/>
+          <a:chOff x="0" y="0"/>
+          <a:chExt cx="0" cy="0"/>
+        </a:xfrm>
+      </p:grpSpPr>
+      <p:sp>
+        <p:nvSpPr>
+          <p:cNvPr id="205" name="CustomShape 1"/>
+          <p:cNvSpPr/>
+          <p:nvPr/>
+        </p:nvSpPr>
+        <p:spPr>
+          <a:xfrm>
+            <a:off x="1523880" y="1122480"/>
+            <a:ext cx="9141840" cy="2385360"/>
+          </a:xfrm>
+          <a:prstGeom prst="rect">
+            <a:avLst/>
+          </a:prstGeom>
+          <a:noFill/>
+          <a:ln>
+            <a:noFill/>
+          </a:ln>
+        </p:spPr>
+        <p:style>
+          <a:lnRef idx="0"/>
+          <a:fillRef idx="0"/>
+          <a:effectRef idx="0"/>
+          <a:fontRef idx="minor"/>
+        </p:style>
+        <p:txBody>
+          <a:bodyPr lIns="90000" rIns="90000" tIns="45000" bIns="45000" anchor="b"/>
+          <a:p>
+            <a:pPr algn="ctr">
+              <a:lnSpc>
+                <a:spcPct val="90000"/>
+              </a:lnSpc>
+            </a:pPr>
+            <a:r>
+              <a:rPr b="0" lang="en-GB" sz="6000" spc="-1" strike="noStrike">
+                <a:solidFill>
+                  <a:srgbClr val="ffffff"/>
+                </a:solidFill>
+                <a:latin typeface="Calibri Light"/>
+                <a:ea typeface="DejaVu Sans"/>
+              </a:rPr>
+              <a:t>Main Title</a:t>
+            </a:r>
+            <a:endParaRPr b="0" lang="en-GB" sz="6000" spc="-1" strike="noStrike">
+              <a:latin typeface="Arial"/>
+            </a:endParaRPr>
+          </a:p>
+        </p:txBody>
+      </p:sp>
+      <p:sp>
+        <p:nvSpPr>
+          <p:cNvPr id="206" name="CustomShape 2"/>
+          <p:cNvSpPr/>
+          <p:nvPr/>
+        </p:nvSpPr>
+        <p:spPr>
+          <a:xfrm>
+            <a:off x="1523880" y="3602160"/>
+            <a:ext cx="9141840" cy="1653480"/>
+          </a:xfrm>
+          <a:prstGeom prst="rect">
+            <a:avLst/>
+          </a:prstGeom>
+          <a:noFill/>
+          <a:ln>
+            <a:noFill/>
+          </a:ln>
+        </p:spPr>
+        <p:style>
+          <a:lnRef idx="0"/>
+          <a:fillRef idx="0"/>
+          <a:effectRef idx="0"/>
+          <a:fontRef idx="minor"/>
+        </p:style>
+        <p:txBody>
+          <a:bodyPr lIns="90000" rIns="90000" tIns="45000" bIns="45000">
+            <a:normAutofit/>
+          </a:bodyPr>
+          <a:p>
+            <a:pPr algn="ctr">
+              <a:lnSpc>
+                <a:spcPct val="90000"/>
+              </a:lnSpc>
+              <a:spcBef>
+                <a:spcPts val="1001"/>
+              </a:spcBef>
+            </a:pPr>
+            <a:r>
+              <a:rPr b="0" lang="en-GB" sz="3200" spc="-1" strike="noStrike">
+                <a:solidFill>
+                  <a:srgbClr val="bfbfbf"/>
+                </a:solidFill>
+                <a:latin typeface="Calibri"/>
+                <a:ea typeface="DejaVu Sans"/>
+              </a:rPr>
+              <a:t>Section</a:t>
+            </a:r>
+            <a:endParaRPr b="0" lang="en-GB" sz="3200" spc="-1" strike="noStrike">
+              <a:latin typeface="Arial"/>
+            </a:endParaRPr>
+          </a:p>
+        </p:txBody>
+      </p:sp>
+      <p:pic>
+        <p:nvPicPr>
+          <p:cNvPr id="207" name="Picture 8" descr=""/>
+          <p:cNvPicPr/>
+          <p:nvPr/>
+        </p:nvPicPr>
+        <p:blipFill>
+          <a:blip r:embed="rId1"/>
+          <a:stretch/>
+        </p:blipFill>
+        <p:spPr>
+          <a:xfrm>
+            <a:off x="180360" y="6149160"/>
+            <a:ext cx="3294360" cy="523080"/>
+          </a:xfrm>
+          <a:prstGeom prst="rect">
+            <a:avLst/>
+          </a:prstGeom>
+          <a:ln>
+            <a:noFill/>
+          </a:ln>
+        </p:spPr>
+      </p:pic>
+    </p:spTree>
+  </p:cSld>
+  <p:timing>
+    <p:tnLst>
+      <p:par>
+        <p:cTn id="43" dur="indefinite" restart="never" nodeType="tmRoot">
+          <p:childTnLst>
+            <p:seq>
+              <p:cTn id="44" dur="indefinite" nodeType="mainSeq"/>
+              <p:prevCondLst>
+                <p:cond delay="0" evt="onPrev">
+                  <p:tgtEl>
+                    <p:sldTgt/>
+                  </p:tgtEl>
+                </p:cond>
+              </p:prevCondLst>
+              <p:nextCondLst>
+                <p:cond delay="0" evt="onNext">
+                  <p:tgtEl>
+                    <p:sldTgt/>
+                  </p:tgtEl>
+                </p:cond>
+              </p:nextCondLst>
+            </p:seq>
+          </p:childTnLst>
+        </p:cTn>
+      </p:par>
+    </p:tnLst>
+  </p:timing>
+</p:sld>
+</file>
+
+<file path=ppt/slides/slide23.xml><?xml version="1.0" encoding="utf-8"?>
 <p:sld xmlns:a="http://schemas.openxmlformats.org/drawingml/2006/main" xmlns:p="http://schemas.openxmlformats.org/presentationml/2006/main" xmlns:r="http://schemas.openxmlformats.org/officeDocument/2006/relationships" xmlns:p14="http://schemas.microsoft.com/office/powerpoint/2010/main" xmlns:p15="http://schemas.microsoft.com/office/powerpoint/2012/main" xmlns:mc="http://schemas.openxmlformats.org/markup-compatibility/2006" show="0">
   <p:cSld>
     <p:spTree>
@@ -8680,7 +11635,7 @@
       </p:grpSpPr>
       <p:pic>
         <p:nvPicPr>
-          <p:cNvPr id="178" name="Picture 3" descr=""/>
+          <p:cNvPr id="208" name="Picture 3" descr=""/>
           <p:cNvPicPr/>
           <p:nvPr/>
         </p:nvPicPr>
@@ -8703,7 +11658,7 @@
       </p:pic>
       <p:sp>
         <p:nvSpPr>
-          <p:cNvPr id="179" name="CustomShape 1"/>
+          <p:cNvPr id="209" name="CustomShape 1"/>
           <p:cNvSpPr/>
           <p:nvPr/>
         </p:nvSpPr>
@@ -8752,7 +11707,7 @@
       </p:sp>
       <p:sp>
         <p:nvSpPr>
-          <p:cNvPr id="180" name="CustomShape 2"/>
+          <p:cNvPr id="210" name="CustomShape 2"/>
           <p:cNvSpPr/>
           <p:nvPr/>
         </p:nvSpPr>
@@ -8881,10 +11836,10 @@
   <p:timing>
     <p:tnLst>
       <p:par>
-        <p:cTn id="39" dur="indefinite" restart="never" nodeType="tmRoot">
+        <p:cTn id="45" dur="indefinite" restart="never" nodeType="tmRoot">
           <p:childTnLst>
             <p:seq>
-              <p:cTn id="40" dur="indefinite" nodeType="mainSeq"/>
+              <p:cTn id="46" dur="indefinite" nodeType="mainSeq"/>
               <p:prevCondLst>
                 <p:cond delay="0" evt="onPrev">
                   <p:tgtEl>
